--- a/statsreport.pptx
+++ b/statsreport.pptx
@@ -12,6 +12,9 @@
     <p:sldId id="258" r:id="rId6"/>
     <p:sldId id="259" r:id="rId7"/>
     <p:sldId id="263" r:id="rId8"/>
+    <p:sldId id="264" r:id="rId9"/>
+    <p:sldId id="266" r:id="rId10"/>
+    <p:sldId id="265" r:id="rId11"/>
   </p:sldIdLst>
   <p:sldSz cx="12192000" cy="6858000"/>
   <p:notesSz cx="6858000" cy="9144000"/>
@@ -3396,6 +3399,98 @@
 </p:sld>
 </file>
 
+<file path=ppt/slides/slide10.xml><?xml version="1.0" encoding="utf-8"?>
+<p:sld xmlns:a="http://schemas.openxmlformats.org/drawingml/2006/main" xmlns:r="http://schemas.openxmlformats.org/officeDocument/2006/relationships" xmlns:p="http://schemas.openxmlformats.org/presentationml/2006/main">
+  <p:cSld>
+    <p:spTree>
+      <p:nvGrpSpPr>
+        <p:cNvPr id="1" name=""/>
+        <p:cNvGrpSpPr/>
+        <p:nvPr/>
+      </p:nvGrpSpPr>
+      <p:grpSpPr>
+        <a:xfrm>
+          <a:off x="0" y="0"/>
+          <a:ext cx="0" cy="0"/>
+          <a:chOff x="0" y="0"/>
+          <a:chExt cx="0" cy="0"/>
+        </a:xfrm>
+      </p:grpSpPr>
+      <p:sp>
+        <p:nvSpPr>
+          <p:cNvPr id="2" name="Title 1">
+            <a:extLst>
+              <a:ext uri="{FF2B5EF4-FFF2-40B4-BE49-F238E27FC236}">
+                <a16:creationId xmlns:a16="http://schemas.microsoft.com/office/drawing/2014/main" id="{F38879CB-686B-45FC-A40A-9B7BB0C76A4D}"/>
+              </a:ext>
+            </a:extLst>
+          </p:cNvPr>
+          <p:cNvSpPr>
+            <a:spLocks noGrp="1"/>
+          </p:cNvSpPr>
+          <p:nvPr>
+            <p:ph type="title"/>
+          </p:nvPr>
+        </p:nvSpPr>
+        <p:spPr/>
+        <p:txBody>
+          <a:bodyPr/>
+          <a:lstStyle/>
+          <a:p>
+            <a:r>
+              <a:rPr lang="en-US" dirty="0"/>
+              <a:t>Best Model</a:t>
+            </a:r>
+          </a:p>
+        </p:txBody>
+      </p:sp>
+      <p:sp>
+        <p:nvSpPr>
+          <p:cNvPr id="3" name="Content Placeholder 2">
+            <a:extLst>
+              <a:ext uri="{FF2B5EF4-FFF2-40B4-BE49-F238E27FC236}">
+                <a16:creationId xmlns:a16="http://schemas.microsoft.com/office/drawing/2014/main" id="{B0CAEC7C-02CD-4432-8561-D846820CF4C1}"/>
+              </a:ext>
+            </a:extLst>
+          </p:cNvPr>
+          <p:cNvSpPr>
+            <a:spLocks noGrp="1"/>
+          </p:cNvSpPr>
+          <p:nvPr>
+            <p:ph idx="1"/>
+          </p:nvPr>
+        </p:nvSpPr>
+        <p:spPr/>
+        <p:txBody>
+          <a:bodyPr/>
+          <a:lstStyle/>
+          <a:p>
+            <a:r>
+              <a:rPr lang="en-US" dirty="0"/>
+              <a:t>Robust Multitask Regressor</a:t>
+            </a:r>
+          </a:p>
+          <a:p>
+            <a:r>
+              <a:rPr lang="en-US" dirty="0"/>
+              <a:t>DTNN?</a:t>
+            </a:r>
+          </a:p>
+        </p:txBody>
+      </p:sp>
+    </p:spTree>
+    <p:extLst>
+      <p:ext uri="{BB962C8B-B14F-4D97-AF65-F5344CB8AC3E}">
+        <p14:creationId xmlns:p14="http://schemas.microsoft.com/office/powerpoint/2010/main" val="2544211575"/>
+      </p:ext>
+    </p:extLst>
+  </p:cSld>
+  <p:clrMapOvr>
+    <a:masterClrMapping/>
+  </p:clrMapOvr>
+</p:sld>
+</file>
+
 <file path=ppt/slides/slide2.xml><?xml version="1.0" encoding="utf-8"?>
 <p:sld xmlns:a="http://schemas.openxmlformats.org/drawingml/2006/main" xmlns:r="http://schemas.openxmlformats.org/officeDocument/2006/relationships" xmlns:p="http://schemas.openxmlformats.org/presentationml/2006/main">
   <p:cSld>
@@ -3477,25 +3572,43 @@
           </a:p>
           <a:p>
             <a:r>
-              <a:rPr lang="en-US" dirty="0"/>
+              <a:rPr lang="en-US" sz="1800" dirty="0"/>
+              <a:t>1k dataset</a:t>
+            </a:r>
+          </a:p>
+          <a:p>
+            <a:r>
+              <a:rPr lang="en-US" sz="1800" dirty="0"/>
+              <a:t>Same seed</a:t>
+            </a:r>
+          </a:p>
+          <a:p>
+            <a:r>
+              <a:rPr lang="en-US" sz="1800" dirty="0"/>
+              <a:t>70% train, 15% valid, 15% test</a:t>
+            </a:r>
+          </a:p>
+          <a:p>
+            <a:r>
+              <a:rPr lang="en-US" sz="1800" dirty="0"/>
               <a:t>Params</a:t>
             </a:r>
           </a:p>
           <a:p>
             <a:r>
-              <a:rPr lang="en-US" dirty="0"/>
+              <a:rPr lang="en-US" sz="1800" dirty="0"/>
               <a:t>Performance Curves</a:t>
             </a:r>
           </a:p>
           <a:p>
             <a:r>
-              <a:rPr lang="en-US" dirty="0"/>
+              <a:rPr lang="en-US" sz="1800" dirty="0"/>
               <a:t>Per task rms</a:t>
             </a:r>
           </a:p>
           <a:p>
             <a:r>
-              <a:rPr lang="en-US" dirty="0"/>
+              <a:rPr lang="en-US" sz="1800" dirty="0"/>
               <a:t>Per task r2 score</a:t>
             </a:r>
           </a:p>
@@ -3504,7 +3617,7 @@
               <a:buNone/>
             </a:pPr>
             <a:r>
-              <a:rPr lang="en-US" dirty="0"/>
+              <a:rPr lang="en-US" sz="1800" dirty="0"/>
               <a:t>(0-100% correlation)</a:t>
             </a:r>
           </a:p>
@@ -3525,7 +3638,7 @@
         <p:spPr>
           <a:xfrm>
             <a:off x="7539135" y="1690688"/>
-            <a:ext cx="3881534" cy="2308324"/>
+            <a:ext cx="3881534" cy="2862322"/>
           </a:xfrm>
           <a:prstGeom prst="rect">
             <a:avLst/>
@@ -3551,6 +3664,26 @@
             <a:r>
               <a:rPr lang="en-US" dirty="0"/>
               <a:t>50 epochs</a:t>
+            </a:r>
+          </a:p>
+          <a:p>
+            <a:pPr marL="285750" indent="-285750">
+              <a:buFont typeface="Arial" panose="020B0604020202020204" pitchFamily="34" charset="0"/>
+              <a:buChar char="•"/>
+            </a:pPr>
+            <a:r>
+              <a:rPr lang="en-US" dirty="0"/>
+              <a:t>Random Seed</a:t>
+            </a:r>
+          </a:p>
+          <a:p>
+            <a:pPr marL="285750" indent="-285750">
+              <a:buFont typeface="Arial" panose="020B0604020202020204" pitchFamily="34" charset="0"/>
+              <a:buChar char="•"/>
+            </a:pPr>
+            <a:r>
+              <a:rPr lang="en-US" dirty="0"/>
+              <a:t>Evaluated on hold-off test set</a:t>
             </a:r>
           </a:p>
           <a:p>
@@ -3650,7 +3783,7 @@
           <a:p>
             <a:r>
               <a:rPr lang="en-US" dirty="0"/>
-              <a:t>Multitask Regression</a:t>
+              <a:t>Multitask Regressor (Standard)</a:t>
             </a:r>
           </a:p>
         </p:txBody>
@@ -3857,7 +3990,7 @@
         <p:spPr>
           <a:xfrm>
             <a:off x="7575259" y="1690688"/>
-            <a:ext cx="3163348" cy="4524315"/>
+            <a:ext cx="3163348" cy="4801314"/>
           </a:xfrm>
           <a:prstGeom prst="rect">
             <a:avLst/>
@@ -3872,8 +4005,11 @@
           <a:p>
             <a:r>
               <a:rPr lang="pt-BR" dirty="0"/>
-              <a:t>Kfold Cross Validation:</a:t>
-            </a:r>
+              <a:t>K fold Cross Validation:</a:t>
+            </a:r>
+          </a:p>
+          <a:p>
+            <a:endParaRPr lang="pt-BR" dirty="0"/>
           </a:p>
           <a:p>
             <a:r>
@@ -4046,7 +4182,7 @@
         </p:blipFill>
         <p:spPr>
           <a:xfrm>
-            <a:off x="5298719" y="4163369"/>
+            <a:off x="446133" y="2431178"/>
             <a:ext cx="4148295" cy="2491988"/>
           </a:xfrm>
         </p:spPr>
@@ -4079,7 +4215,7 @@
         </p:blipFill>
         <p:spPr>
           <a:xfrm>
-            <a:off x="625224" y="2090057"/>
+            <a:off x="6213119" y="1569939"/>
             <a:ext cx="4037555" cy="2425464"/>
           </a:xfrm>
           <a:prstGeom prst="rect">
@@ -4115,7 +4251,7 @@
         </p:blipFill>
         <p:spPr>
           <a:xfrm>
-            <a:off x="5298718" y="1533556"/>
+            <a:off x="6213119" y="4176088"/>
             <a:ext cx="4148295" cy="2491988"/>
           </a:xfrm>
           <a:prstGeom prst="rect">
@@ -4346,12 +4482,8 @@
           <a:lstStyle/>
           <a:p>
             <a:r>
-              <a:rPr lang="en-US" sz="1600" dirty="0" err="1"/>
-              <a:t>Kfold</a:t>
-            </a:r>
-            <a:r>
               <a:rPr lang="en-US" sz="1600" dirty="0"/>
-              <a:t> Cross Validation</a:t>
+              <a:t>K fold Cross Validation</a:t>
             </a:r>
           </a:p>
           <a:p>
@@ -4746,16 +4878,19 @@
           <a:bodyPr/>
           <a:lstStyle/>
           <a:p>
-            <a:endParaRPr lang="en-US"/>
-          </a:p>
-        </p:txBody>
-      </p:sp>
-      <p:sp>
-        <p:nvSpPr>
-          <p:cNvPr id="3" name="Content Placeholder 2">
-            <a:extLst>
-              <a:ext uri="{FF2B5EF4-FFF2-40B4-BE49-F238E27FC236}">
-                <a16:creationId xmlns:a16="http://schemas.microsoft.com/office/drawing/2014/main" id="{B3A03A15-62E0-4D24-B1BC-A64351B9681B}"/>
+            <a:r>
+              <a:rPr lang="en-US" dirty="0"/>
+              <a:t>Graph Convolution</a:t>
+            </a:r>
+          </a:p>
+        </p:txBody>
+      </p:sp>
+      <p:sp>
+        <p:nvSpPr>
+          <p:cNvPr id="4" name="Content Placeholder 2">
+            <a:extLst>
+              <a:ext uri="{FF2B5EF4-FFF2-40B4-BE49-F238E27FC236}">
+                <a16:creationId xmlns:a16="http://schemas.microsoft.com/office/drawing/2014/main" id="{A3F9CD26-7FA8-44F2-A45E-1BC081887A97}"/>
               </a:ext>
             </a:extLst>
           </p:cNvPr>
@@ -4766,12 +4901,362 @@
             <p:ph idx="1"/>
           </p:nvPr>
         </p:nvSpPr>
-        <p:spPr/>
-        <p:txBody>
-          <a:bodyPr/>
-          <a:lstStyle/>
-          <a:p>
-            <a:endParaRPr lang="en-US"/>
+        <p:spPr>
+          <a:xfrm>
+            <a:off x="838200" y="1825625"/>
+            <a:ext cx="3633132" cy="4351338"/>
+          </a:xfrm>
+        </p:spPr>
+        <p:txBody>
+          <a:bodyPr>
+            <a:normAutofit/>
+          </a:bodyPr>
+          <a:lstStyle/>
+          <a:p>
+            <a:pPr marL="0" indent="0">
+              <a:buNone/>
+            </a:pPr>
+            <a:r>
+              <a:rPr lang="en-US" sz="1600" dirty="0"/>
+              <a:t>(3, 75, [64, 64], 128, 0.5, 1e-05, 'regression')</a:t>
+            </a:r>
+          </a:p>
+          <a:p>
+            <a:pPr marL="0" indent="0">
+              <a:buNone/>
+            </a:pPr>
+            <a:r>
+              <a:rPr lang="en-US" sz="1600" dirty="0"/>
+              <a:t>Hyperparameter Tuning</a:t>
+            </a:r>
+          </a:p>
+          <a:p>
+            <a:pPr marL="0" indent="0">
+              <a:buNone/>
+            </a:pPr>
+            <a:endParaRPr lang="pt-BR" sz="1600" dirty="0"/>
+          </a:p>
+          <a:p>
+            <a:pPr marL="0" indent="0">
+              <a:buNone/>
+            </a:pPr>
+            <a:r>
+              <a:rPr lang="pt-BR" sz="1600" dirty="0"/>
+              <a:t>eiso rms:</a:t>
+            </a:r>
+          </a:p>
+          <a:p>
+            <a:pPr marL="0" indent="0">
+              <a:buNone/>
+            </a:pPr>
+            <a:r>
+              <a:rPr lang="pt-BR" sz="1600" dirty="0"/>
+              <a:t>4.909546980087412</a:t>
+            </a:r>
+          </a:p>
+          <a:p>
+            <a:pPr marL="0" indent="0">
+              <a:buNone/>
+            </a:pPr>
+            <a:r>
+              <a:rPr lang="pt-BR" sz="1600" dirty="0"/>
+              <a:t>riso rms:</a:t>
+            </a:r>
+          </a:p>
+          <a:p>
+            <a:pPr marL="0" indent="0">
+              <a:buNone/>
+            </a:pPr>
+            <a:r>
+              <a:rPr lang="pt-BR" sz="1600" dirty="0"/>
+              <a:t>1.7321460795641541</a:t>
+            </a:r>
+          </a:p>
+          <a:p>
+            <a:pPr marL="0" indent="0">
+              <a:buNone/>
+            </a:pPr>
+            <a:r>
+              <a:rPr lang="pt-BR" sz="1600" dirty="0"/>
+              <a:t>vert rms:</a:t>
+            </a:r>
+          </a:p>
+          <a:p>
+            <a:pPr marL="0" indent="0">
+              <a:buNone/>
+            </a:pPr>
+            <a:r>
+              <a:rPr lang="pt-BR" sz="1600" dirty="0"/>
+              <a:t>0.09720516309124799</a:t>
+            </a:r>
+          </a:p>
+          <a:p>
+            <a:pPr marL="0" indent="0">
+              <a:buNone/>
+            </a:pPr>
+            <a:endParaRPr lang="pt-BR" sz="1600" dirty="0"/>
+          </a:p>
+        </p:txBody>
+      </p:sp>
+      <p:sp>
+        <p:nvSpPr>
+          <p:cNvPr id="5" name="TextBox 4">
+            <a:extLst>
+              <a:ext uri="{FF2B5EF4-FFF2-40B4-BE49-F238E27FC236}">
+                <a16:creationId xmlns:a16="http://schemas.microsoft.com/office/drawing/2014/main" id="{43F93B14-868D-4279-A05F-2EB623A2ED5C}"/>
+              </a:ext>
+            </a:extLst>
+          </p:cNvPr>
+          <p:cNvSpPr txBox="1"/>
+          <p:nvPr/>
+        </p:nvSpPr>
+        <p:spPr>
+          <a:xfrm>
+            <a:off x="4303552" y="1929468"/>
+            <a:ext cx="3204595" cy="2308324"/>
+          </a:xfrm>
+          <a:prstGeom prst="rect">
+            <a:avLst/>
+          </a:prstGeom>
+          <a:noFill/>
+        </p:spPr>
+        <p:txBody>
+          <a:bodyPr wrap="square" rtlCol="0">
+            <a:spAutoFit/>
+          </a:bodyPr>
+          <a:lstStyle/>
+          <a:p>
+            <a:pPr marL="0" indent="0">
+              <a:buNone/>
+            </a:pPr>
+            <a:r>
+              <a:rPr lang="pt-BR" sz="1800" dirty="0"/>
+              <a:t>eiso r2:</a:t>
+            </a:r>
+          </a:p>
+          <a:p>
+            <a:pPr marL="0" indent="0">
+              <a:buNone/>
+            </a:pPr>
+            <a:r>
+              <a:rPr lang="pt-BR" sz="1800" dirty="0"/>
+              <a:t>-2.555768561335377</a:t>
+            </a:r>
+          </a:p>
+          <a:p>
+            <a:pPr marL="0" indent="0">
+              <a:buNone/>
+            </a:pPr>
+            <a:endParaRPr lang="pt-BR" sz="1800" dirty="0"/>
+          </a:p>
+          <a:p>
+            <a:pPr marL="0" indent="0">
+              <a:buNone/>
+            </a:pPr>
+            <a:r>
+              <a:rPr lang="pt-BR" sz="1800" dirty="0"/>
+              <a:t>riso r2:</a:t>
+            </a:r>
+          </a:p>
+          <a:p>
+            <a:pPr marL="0" indent="0">
+              <a:buNone/>
+            </a:pPr>
+            <a:r>
+              <a:rPr lang="pt-BR" sz="1800" dirty="0"/>
+              <a:t>-0.12412520837124852</a:t>
+            </a:r>
+          </a:p>
+          <a:p>
+            <a:pPr marL="0" indent="0">
+              <a:buNone/>
+            </a:pPr>
+            <a:endParaRPr lang="pt-BR" sz="1800" dirty="0"/>
+          </a:p>
+          <a:p>
+            <a:pPr marL="0" indent="0">
+              <a:buNone/>
+            </a:pPr>
+            <a:r>
+              <a:rPr lang="pt-BR" sz="1800" dirty="0"/>
+              <a:t>vert r2:</a:t>
+            </a:r>
+          </a:p>
+          <a:p>
+            <a:pPr marL="0" indent="0">
+              <a:buNone/>
+            </a:pPr>
+            <a:r>
+              <a:rPr lang="pt-BR" sz="1800" dirty="0"/>
+              <a:t>-0.06774837679102386</a:t>
+            </a:r>
+          </a:p>
+        </p:txBody>
+      </p:sp>
+      <p:sp>
+        <p:nvSpPr>
+          <p:cNvPr id="6" name="TextBox 5">
+            <a:extLst>
+              <a:ext uri="{FF2B5EF4-FFF2-40B4-BE49-F238E27FC236}">
+                <a16:creationId xmlns:a16="http://schemas.microsoft.com/office/drawing/2014/main" id="{B528E683-F13A-4BF2-B1B0-94AB1FA8DD55}"/>
+              </a:ext>
+            </a:extLst>
+          </p:cNvPr>
+          <p:cNvSpPr txBox="1"/>
+          <p:nvPr/>
+        </p:nvSpPr>
+        <p:spPr>
+          <a:xfrm>
+            <a:off x="8263156" y="1690688"/>
+            <a:ext cx="3389152" cy="4801314"/>
+          </a:xfrm>
+          <a:prstGeom prst="rect">
+            <a:avLst/>
+          </a:prstGeom>
+          <a:noFill/>
+        </p:spPr>
+        <p:txBody>
+          <a:bodyPr wrap="square" rtlCol="0">
+            <a:spAutoFit/>
+          </a:bodyPr>
+          <a:lstStyle/>
+          <a:p>
+            <a:pPr marL="0" indent="0">
+              <a:buNone/>
+            </a:pPr>
+            <a:r>
+              <a:rPr lang="pt-BR" sz="1800" dirty="0"/>
+              <a:t>K fold Validation</a:t>
+            </a:r>
+          </a:p>
+          <a:p>
+            <a:pPr marL="0" indent="0">
+              <a:buNone/>
+            </a:pPr>
+            <a:endParaRPr lang="pt-BR" sz="1800" dirty="0"/>
+          </a:p>
+          <a:p>
+            <a:pPr marL="0" indent="0">
+              <a:buNone/>
+            </a:pPr>
+            <a:r>
+              <a:rPr lang="pt-BR" sz="1800" dirty="0"/>
+              <a:t>eiso:</a:t>
+            </a:r>
+          </a:p>
+          <a:p>
+            <a:pPr marL="0" indent="0">
+              <a:buNone/>
+            </a:pPr>
+            <a:r>
+              <a:rPr lang="pt-BR" sz="1800" dirty="0"/>
+              <a:t>6.177944716663087</a:t>
+            </a:r>
+          </a:p>
+          <a:p>
+            <a:pPr marL="0" indent="0">
+              <a:buNone/>
+            </a:pPr>
+            <a:r>
+              <a:rPr lang="pt-BR" sz="1800" dirty="0"/>
+              <a:t>12.562190255758589</a:t>
+            </a:r>
+          </a:p>
+          <a:p>
+            <a:pPr marL="0" indent="0">
+              <a:buNone/>
+            </a:pPr>
+            <a:r>
+              <a:rPr lang="pt-BR" sz="1800" dirty="0"/>
+              <a:t>2.7886980691678547</a:t>
+            </a:r>
+          </a:p>
+          <a:p>
+            <a:pPr marL="0" indent="0">
+              <a:buNone/>
+            </a:pPr>
+            <a:endParaRPr lang="pt-BR" sz="1800" dirty="0"/>
+          </a:p>
+          <a:p>
+            <a:pPr marL="0" indent="0">
+              <a:buNone/>
+            </a:pPr>
+            <a:r>
+              <a:rPr lang="pt-BR" sz="1800" dirty="0"/>
+              <a:t>riso:</a:t>
+            </a:r>
+          </a:p>
+          <a:p>
+            <a:pPr marL="0" indent="0">
+              <a:buNone/>
+            </a:pPr>
+            <a:r>
+              <a:rPr lang="pt-BR" sz="1800" dirty="0"/>
+              <a:t>1.2411436208818043</a:t>
+            </a:r>
+          </a:p>
+          <a:p>
+            <a:pPr marL="0" indent="0">
+              <a:buNone/>
+            </a:pPr>
+            <a:r>
+              <a:rPr lang="pt-BR" sz="1800" dirty="0"/>
+              <a:t>2.2874527736031034</a:t>
+            </a:r>
+          </a:p>
+          <a:p>
+            <a:pPr marL="0" indent="0">
+              <a:buNone/>
+            </a:pPr>
+            <a:r>
+              <a:rPr lang="pt-BR" sz="1800" dirty="0"/>
+              <a:t>0.7759881685053086</a:t>
+            </a:r>
+          </a:p>
+          <a:p>
+            <a:pPr marL="0" indent="0">
+              <a:buNone/>
+            </a:pPr>
+            <a:endParaRPr lang="pt-BR" sz="1800" dirty="0"/>
+          </a:p>
+          <a:p>
+            <a:pPr marL="0" indent="0">
+              <a:buNone/>
+            </a:pPr>
+            <a:r>
+              <a:rPr lang="pt-BR" sz="1800" dirty="0"/>
+              <a:t>vert:</a:t>
+            </a:r>
+          </a:p>
+          <a:p>
+            <a:pPr marL="0" indent="0">
+              <a:buNone/>
+            </a:pPr>
+            <a:r>
+              <a:rPr lang="pt-BR" sz="1800" dirty="0"/>
+              <a:t>0.057668341981982923</a:t>
+            </a:r>
+          </a:p>
+          <a:p>
+            <a:pPr marL="0" indent="0">
+              <a:buNone/>
+            </a:pPr>
+            <a:r>
+              <a:rPr lang="pt-BR" sz="1800" dirty="0"/>
+              <a:t>0.09638569020294567</a:t>
+            </a:r>
+          </a:p>
+          <a:p>
+            <a:pPr marL="0" indent="0">
+              <a:buNone/>
+            </a:pPr>
+            <a:r>
+              <a:rPr lang="pt-BR" sz="1800" dirty="0"/>
+              <a:t>0.038168409232674935</a:t>
+            </a:r>
+          </a:p>
+          <a:p>
+            <a:endParaRPr lang="en-US" dirty="0"/>
           </a:p>
         </p:txBody>
       </p:sp>
@@ -4779,6 +5264,548 @@
     <p:extLst>
       <p:ext uri="{BB962C8B-B14F-4D97-AF65-F5344CB8AC3E}">
         <p14:creationId xmlns:p14="http://schemas.microsoft.com/office/powerpoint/2010/main" val="3858669074"/>
+      </p:ext>
+    </p:extLst>
+  </p:cSld>
+  <p:clrMapOvr>
+    <a:masterClrMapping/>
+  </p:clrMapOvr>
+</p:sld>
+</file>
+
+<file path=ppt/slides/slide8.xml><?xml version="1.0" encoding="utf-8"?>
+<p:sld xmlns:a="http://schemas.openxmlformats.org/drawingml/2006/main" xmlns:r="http://schemas.openxmlformats.org/officeDocument/2006/relationships" xmlns:p="http://schemas.openxmlformats.org/presentationml/2006/main">
+  <p:cSld>
+    <p:spTree>
+      <p:nvGrpSpPr>
+        <p:cNvPr id="1" name=""/>
+        <p:cNvGrpSpPr/>
+        <p:nvPr/>
+      </p:nvGrpSpPr>
+      <p:grpSpPr>
+        <a:xfrm>
+          <a:off x="0" y="0"/>
+          <a:ext cx="0" cy="0"/>
+          <a:chOff x="0" y="0"/>
+          <a:chExt cx="0" cy="0"/>
+        </a:xfrm>
+      </p:grpSpPr>
+      <p:sp>
+        <p:nvSpPr>
+          <p:cNvPr id="2" name="Title 1">
+            <a:extLst>
+              <a:ext uri="{FF2B5EF4-FFF2-40B4-BE49-F238E27FC236}">
+                <a16:creationId xmlns:a16="http://schemas.microsoft.com/office/drawing/2014/main" id="{66D82BAD-5CE7-4AD2-99BD-932C9C88A7F0}"/>
+              </a:ext>
+            </a:extLst>
+          </p:cNvPr>
+          <p:cNvSpPr>
+            <a:spLocks noGrp="1"/>
+          </p:cNvSpPr>
+          <p:nvPr>
+            <p:ph type="title"/>
+          </p:nvPr>
+        </p:nvSpPr>
+        <p:spPr/>
+        <p:txBody>
+          <a:bodyPr/>
+          <a:lstStyle/>
+          <a:p>
+            <a:r>
+              <a:rPr lang="en-US" dirty="0"/>
+              <a:t>Graph Convolution</a:t>
+            </a:r>
+          </a:p>
+        </p:txBody>
+      </p:sp>
+      <p:pic>
+        <p:nvPicPr>
+          <p:cNvPr id="5" name="Picture 4" descr="Chart, line chart&#10;&#10;Description automatically generated">
+            <a:extLst>
+              <a:ext uri="{FF2B5EF4-FFF2-40B4-BE49-F238E27FC236}">
+                <a16:creationId xmlns:a16="http://schemas.microsoft.com/office/drawing/2014/main" id="{64920576-D81B-40D6-A346-0CD936CCA6C3}"/>
+              </a:ext>
+            </a:extLst>
+          </p:cNvPr>
+          <p:cNvPicPr>
+            <a:picLocks noChangeAspect="1"/>
+          </p:cNvPicPr>
+          <p:nvPr/>
+        </p:nvPicPr>
+        <p:blipFill>
+          <a:blip r:embed="rId2">
+            <a:extLst>
+              <a:ext uri="{28A0092B-C50C-407E-A947-70E740481C1C}">
+                <a14:useLocalDpi xmlns:a14="http://schemas.microsoft.com/office/drawing/2010/main" val="0"/>
+              </a:ext>
+            </a:extLst>
+          </a:blip>
+          <a:stretch>
+            <a:fillRect/>
+          </a:stretch>
+        </p:blipFill>
+        <p:spPr>
+          <a:xfrm>
+            <a:off x="659950" y="1826727"/>
+            <a:ext cx="4580357" cy="2751539"/>
+          </a:xfrm>
+          <a:prstGeom prst="rect">
+            <a:avLst/>
+          </a:prstGeom>
+        </p:spPr>
+      </p:pic>
+      <p:pic>
+        <p:nvPicPr>
+          <p:cNvPr id="7" name="Picture 6" descr="Chart, line chart&#10;&#10;Description automatically generated">
+            <a:extLst>
+              <a:ext uri="{FF2B5EF4-FFF2-40B4-BE49-F238E27FC236}">
+                <a16:creationId xmlns:a16="http://schemas.microsoft.com/office/drawing/2014/main" id="{E5FA9F44-0842-4D68-9CAF-EBB630C4A1CD}"/>
+              </a:ext>
+            </a:extLst>
+          </p:cNvPr>
+          <p:cNvPicPr>
+            <a:picLocks noChangeAspect="1"/>
+          </p:cNvPicPr>
+          <p:nvPr/>
+        </p:nvPicPr>
+        <p:blipFill>
+          <a:blip r:embed="rId3">
+            <a:extLst>
+              <a:ext uri="{28A0092B-C50C-407E-A947-70E740481C1C}">
+                <a14:useLocalDpi xmlns:a14="http://schemas.microsoft.com/office/drawing/2010/main" val="0"/>
+              </a:ext>
+            </a:extLst>
+          </a:blip>
+          <a:stretch>
+            <a:fillRect/>
+          </a:stretch>
+        </p:blipFill>
+        <p:spPr>
+          <a:xfrm>
+            <a:off x="6760498" y="450957"/>
+            <a:ext cx="4771552" cy="2751539"/>
+          </a:xfrm>
+          <a:prstGeom prst="rect">
+            <a:avLst/>
+          </a:prstGeom>
+        </p:spPr>
+      </p:pic>
+      <p:pic>
+        <p:nvPicPr>
+          <p:cNvPr id="9" name="Picture 8" descr="Chart, line chart&#10;&#10;Description automatically generated">
+            <a:extLst>
+              <a:ext uri="{FF2B5EF4-FFF2-40B4-BE49-F238E27FC236}">
+                <a16:creationId xmlns:a16="http://schemas.microsoft.com/office/drawing/2014/main" id="{71220C32-62F7-45E1-8E70-0E8C446D767B}"/>
+              </a:ext>
+            </a:extLst>
+          </p:cNvPr>
+          <p:cNvPicPr>
+            <a:picLocks noChangeAspect="1"/>
+          </p:cNvPicPr>
+          <p:nvPr/>
+        </p:nvPicPr>
+        <p:blipFill>
+          <a:blip r:embed="rId4">
+            <a:extLst>
+              <a:ext uri="{28A0092B-C50C-407E-A947-70E740481C1C}">
+                <a14:useLocalDpi xmlns:a14="http://schemas.microsoft.com/office/drawing/2010/main" val="0"/>
+              </a:ext>
+            </a:extLst>
+          </a:blip>
+          <a:stretch>
+            <a:fillRect/>
+          </a:stretch>
+        </p:blipFill>
+        <p:spPr>
+          <a:xfrm>
+            <a:off x="6856095" y="3741336"/>
+            <a:ext cx="4580357" cy="2751539"/>
+          </a:xfrm>
+          <a:prstGeom prst="rect">
+            <a:avLst/>
+          </a:prstGeom>
+        </p:spPr>
+      </p:pic>
+    </p:spTree>
+    <p:extLst>
+      <p:ext uri="{BB962C8B-B14F-4D97-AF65-F5344CB8AC3E}">
+        <p14:creationId xmlns:p14="http://schemas.microsoft.com/office/powerpoint/2010/main" val="694682804"/>
+      </p:ext>
+    </p:extLst>
+  </p:cSld>
+  <p:clrMapOvr>
+    <a:masterClrMapping/>
+  </p:clrMapOvr>
+</p:sld>
+</file>
+
+<file path=ppt/slides/slide9.xml><?xml version="1.0" encoding="utf-8"?>
+<p:sld xmlns:a="http://schemas.openxmlformats.org/drawingml/2006/main" xmlns:r="http://schemas.openxmlformats.org/officeDocument/2006/relationships" xmlns:p="http://schemas.openxmlformats.org/presentationml/2006/main">
+  <p:cSld>
+    <p:spTree>
+      <p:nvGrpSpPr>
+        <p:cNvPr id="1" name=""/>
+        <p:cNvGrpSpPr/>
+        <p:nvPr/>
+      </p:nvGrpSpPr>
+      <p:grpSpPr>
+        <a:xfrm>
+          <a:off x="0" y="0"/>
+          <a:ext cx="0" cy="0"/>
+          <a:chOff x="0" y="0"/>
+          <a:chExt cx="0" cy="0"/>
+        </a:xfrm>
+      </p:grpSpPr>
+      <p:sp>
+        <p:nvSpPr>
+          <p:cNvPr id="2" name="Title 1">
+            <a:extLst>
+              <a:ext uri="{FF2B5EF4-FFF2-40B4-BE49-F238E27FC236}">
+                <a16:creationId xmlns:a16="http://schemas.microsoft.com/office/drawing/2014/main" id="{B6B11738-E631-40A5-AFF4-119F0BB443B7}"/>
+              </a:ext>
+            </a:extLst>
+          </p:cNvPr>
+          <p:cNvSpPr>
+            <a:spLocks noGrp="1"/>
+          </p:cNvSpPr>
+          <p:nvPr>
+            <p:ph type="title"/>
+          </p:nvPr>
+        </p:nvSpPr>
+        <p:spPr/>
+        <p:txBody>
+          <a:bodyPr/>
+          <a:lstStyle/>
+          <a:p>
+            <a:r>
+              <a:rPr lang="en-US" dirty="0"/>
+              <a:t>Deep Tensor Neural Network</a:t>
+            </a:r>
+          </a:p>
+        </p:txBody>
+      </p:sp>
+      <p:sp>
+        <p:nvSpPr>
+          <p:cNvPr id="3" name="Content Placeholder 2">
+            <a:extLst>
+              <a:ext uri="{FF2B5EF4-FFF2-40B4-BE49-F238E27FC236}">
+                <a16:creationId xmlns:a16="http://schemas.microsoft.com/office/drawing/2014/main" id="{BF8F05D8-FE4B-44B3-8B17-661521040D59}"/>
+              </a:ext>
+            </a:extLst>
+          </p:cNvPr>
+          <p:cNvSpPr>
+            <a:spLocks noGrp="1"/>
+          </p:cNvSpPr>
+          <p:nvPr>
+            <p:ph idx="1"/>
+          </p:nvPr>
+        </p:nvSpPr>
+        <p:spPr>
+          <a:xfrm>
+            <a:off x="838199" y="1825625"/>
+            <a:ext cx="3515687" cy="4351338"/>
+          </a:xfrm>
+        </p:spPr>
+        <p:txBody>
+          <a:bodyPr>
+            <a:normAutofit fontScale="62500" lnSpcReduction="20000"/>
+          </a:bodyPr>
+          <a:lstStyle/>
+          <a:p>
+            <a:r>
+              <a:rPr lang="pt-BR" dirty="0"/>
+              <a:t>(3, 50, 0.5, 1e-05)</a:t>
+            </a:r>
+          </a:p>
+          <a:p>
+            <a:pPr marL="0" indent="0">
+              <a:buNone/>
+            </a:pPr>
+            <a:r>
+              <a:rPr lang="pt-BR" dirty="0"/>
+              <a:t>Hyperparameter Optimization</a:t>
+            </a:r>
+          </a:p>
+          <a:p>
+            <a:pPr marL="0" indent="0">
+              <a:buNone/>
+            </a:pPr>
+            <a:r>
+              <a:rPr lang="pt-BR" dirty="0"/>
+              <a:t>mean rms:</a:t>
+            </a:r>
+          </a:p>
+          <a:p>
+            <a:pPr marL="0" indent="0">
+              <a:buNone/>
+            </a:pPr>
+            <a:r>
+              <a:rPr lang="pt-BR" dirty="0"/>
+              <a:t>6.152490962369434</a:t>
+            </a:r>
+          </a:p>
+          <a:p>
+            <a:pPr marL="0" indent="0">
+              <a:buNone/>
+            </a:pPr>
+            <a:endParaRPr lang="pt-BR" dirty="0"/>
+          </a:p>
+          <a:p>
+            <a:pPr marL="0" indent="0">
+              <a:buNone/>
+            </a:pPr>
+            <a:r>
+              <a:rPr lang="pt-BR" dirty="0"/>
+              <a:t>eiso rms:</a:t>
+            </a:r>
+          </a:p>
+          <a:p>
+            <a:pPr marL="0" indent="0">
+              <a:buNone/>
+            </a:pPr>
+            <a:r>
+              <a:rPr lang="pt-BR" dirty="0"/>
+              <a:t>15.123132149372326</a:t>
+            </a:r>
+          </a:p>
+          <a:p>
+            <a:pPr marL="0" indent="0">
+              <a:buNone/>
+            </a:pPr>
+            <a:endParaRPr lang="pt-BR" dirty="0"/>
+          </a:p>
+          <a:p>
+            <a:pPr marL="0" indent="0">
+              <a:buNone/>
+            </a:pPr>
+            <a:r>
+              <a:rPr lang="pt-BR" dirty="0"/>
+              <a:t>riso rms:</a:t>
+            </a:r>
+          </a:p>
+          <a:p>
+            <a:pPr marL="0" indent="0">
+              <a:buNone/>
+            </a:pPr>
+            <a:r>
+              <a:rPr lang="pt-BR" dirty="0"/>
+              <a:t>3.179177284616241</a:t>
+            </a:r>
+          </a:p>
+          <a:p>
+            <a:pPr marL="0" indent="0">
+              <a:buNone/>
+            </a:pPr>
+            <a:endParaRPr lang="pt-BR" dirty="0"/>
+          </a:p>
+          <a:p>
+            <a:pPr marL="0" indent="0">
+              <a:buNone/>
+            </a:pPr>
+            <a:r>
+              <a:rPr lang="pt-BR" dirty="0"/>
+              <a:t>vert rms:</a:t>
+            </a:r>
+          </a:p>
+          <a:p>
+            <a:pPr marL="0" indent="0">
+              <a:buNone/>
+            </a:pPr>
+            <a:r>
+              <a:rPr lang="pt-BR" dirty="0"/>
+              <a:t>0.15516345311973226</a:t>
+            </a:r>
+          </a:p>
+          <a:p>
+            <a:endParaRPr lang="pt-BR" dirty="0"/>
+          </a:p>
+        </p:txBody>
+      </p:sp>
+      <p:sp>
+        <p:nvSpPr>
+          <p:cNvPr id="4" name="TextBox 3">
+            <a:extLst>
+              <a:ext uri="{FF2B5EF4-FFF2-40B4-BE49-F238E27FC236}">
+                <a16:creationId xmlns:a16="http://schemas.microsoft.com/office/drawing/2014/main" id="{AAB49498-292E-4AA7-89C4-768E91C7254E}"/>
+              </a:ext>
+            </a:extLst>
+          </p:cNvPr>
+          <p:cNvSpPr txBox="1"/>
+          <p:nvPr/>
+        </p:nvSpPr>
+        <p:spPr>
+          <a:xfrm>
+            <a:off x="8577044" y="1690688"/>
+            <a:ext cx="2776756" cy="4247317"/>
+          </a:xfrm>
+          <a:prstGeom prst="rect">
+            <a:avLst/>
+          </a:prstGeom>
+          <a:noFill/>
+        </p:spPr>
+        <p:txBody>
+          <a:bodyPr wrap="square" rtlCol="0">
+            <a:spAutoFit/>
+          </a:bodyPr>
+          <a:lstStyle/>
+          <a:p>
+            <a:r>
+              <a:rPr lang="pt-BR" dirty="0"/>
+              <a:t>eiso:</a:t>
+            </a:r>
+          </a:p>
+          <a:p>
+            <a:r>
+              <a:rPr lang="pt-BR" dirty="0"/>
+              <a:t>8.502388271040594</a:t>
+            </a:r>
+          </a:p>
+          <a:p>
+            <a:r>
+              <a:rPr lang="pt-BR" dirty="0"/>
+              <a:t>15.916766283136463</a:t>
+            </a:r>
+          </a:p>
+          <a:p>
+            <a:r>
+              <a:rPr lang="pt-BR" dirty="0"/>
+              <a:t>4.140766340608504</a:t>
+            </a:r>
+          </a:p>
+          <a:p>
+            <a:endParaRPr lang="pt-BR" dirty="0"/>
+          </a:p>
+          <a:p>
+            <a:r>
+              <a:rPr lang="pt-BR" dirty="0"/>
+              <a:t>riso:</a:t>
+            </a:r>
+          </a:p>
+          <a:p>
+            <a:r>
+              <a:rPr lang="pt-BR" dirty="0"/>
+              <a:t>2.112924811844965</a:t>
+            </a:r>
+          </a:p>
+          <a:p>
+            <a:r>
+              <a:rPr lang="pt-BR" dirty="0"/>
+              <a:t>3.734417824991303</a:t>
+            </a:r>
+          </a:p>
+          <a:p>
+            <a:r>
+              <a:rPr lang="pt-BR" dirty="0"/>
+              <a:t>1.4487933697915936</a:t>
+            </a:r>
+          </a:p>
+          <a:p>
+            <a:endParaRPr lang="pt-BR" dirty="0"/>
+          </a:p>
+          <a:p>
+            <a:r>
+              <a:rPr lang="pt-BR" dirty="0"/>
+              <a:t>vert:</a:t>
+            </a:r>
+          </a:p>
+          <a:p>
+            <a:r>
+              <a:rPr lang="pt-BR" dirty="0"/>
+              <a:t>0.09457755321829611</a:t>
+            </a:r>
+          </a:p>
+          <a:p>
+            <a:r>
+              <a:rPr lang="pt-BR" dirty="0"/>
+              <a:t>0.14113022884079388</a:t>
+            </a:r>
+          </a:p>
+          <a:p>
+            <a:r>
+              <a:rPr lang="pt-BR" dirty="0"/>
+              <a:t>0.06577468262238037</a:t>
+            </a:r>
+          </a:p>
+          <a:p>
+            <a:endParaRPr lang="en-US" dirty="0"/>
+          </a:p>
+        </p:txBody>
+      </p:sp>
+      <p:sp>
+        <p:nvSpPr>
+          <p:cNvPr id="5" name="TextBox 4">
+            <a:extLst>
+              <a:ext uri="{FF2B5EF4-FFF2-40B4-BE49-F238E27FC236}">
+                <a16:creationId xmlns:a16="http://schemas.microsoft.com/office/drawing/2014/main" id="{4A38AB26-894B-451A-B200-285E738EE4B0}"/>
+              </a:ext>
+            </a:extLst>
+          </p:cNvPr>
+          <p:cNvSpPr txBox="1"/>
+          <p:nvPr/>
+        </p:nvSpPr>
+        <p:spPr>
+          <a:xfrm>
+            <a:off x="4580389" y="1825625"/>
+            <a:ext cx="3095538" cy="2308324"/>
+          </a:xfrm>
+          <a:prstGeom prst="rect">
+            <a:avLst/>
+          </a:prstGeom>
+          <a:noFill/>
+        </p:spPr>
+        <p:txBody>
+          <a:bodyPr wrap="square" rtlCol="0">
+            <a:spAutoFit/>
+          </a:bodyPr>
+          <a:lstStyle/>
+          <a:p>
+            <a:r>
+              <a:rPr lang="pt-BR" dirty="0"/>
+              <a:t>eiso r2:</a:t>
+            </a:r>
+          </a:p>
+          <a:p>
+            <a:r>
+              <a:rPr lang="pt-BR" dirty="0"/>
+              <a:t>-32.73915019768623</a:t>
+            </a:r>
+          </a:p>
+          <a:p>
+            <a:endParaRPr lang="pt-BR" dirty="0"/>
+          </a:p>
+          <a:p>
+            <a:r>
+              <a:rPr lang="pt-BR" dirty="0"/>
+              <a:t>riso r2:</a:t>
+            </a:r>
+          </a:p>
+          <a:p>
+            <a:r>
+              <a:rPr lang="pt-BR" dirty="0"/>
+              <a:t>-2.786824253229164</a:t>
+            </a:r>
+          </a:p>
+          <a:p>
+            <a:endParaRPr lang="pt-BR" dirty="0"/>
+          </a:p>
+          <a:p>
+            <a:r>
+              <a:rPr lang="pt-BR" dirty="0"/>
+              <a:t>vert r2:</a:t>
+            </a:r>
+          </a:p>
+          <a:p>
+            <a:r>
+              <a:rPr lang="pt-BR" dirty="0"/>
+              <a:t>-1.7206277634171223</a:t>
+            </a:r>
+          </a:p>
+        </p:txBody>
+      </p:sp>
+    </p:spTree>
+    <p:extLst>
+      <p:ext uri="{BB962C8B-B14F-4D97-AF65-F5344CB8AC3E}">
+        <p14:creationId xmlns:p14="http://schemas.microsoft.com/office/powerpoint/2010/main" val="2278093040"/>
       </p:ext>
     </p:extLst>
   </p:cSld>

--- a/statsreport.pptx
+++ b/statsreport.pptx
@@ -14,7 +14,16 @@
     <p:sldId id="263" r:id="rId8"/>
     <p:sldId id="264" r:id="rId9"/>
     <p:sldId id="266" r:id="rId10"/>
-    <p:sldId id="265" r:id="rId11"/>
+    <p:sldId id="275" r:id="rId11"/>
+    <p:sldId id="267" r:id="rId12"/>
+    <p:sldId id="268" r:id="rId13"/>
+    <p:sldId id="272" r:id="rId14"/>
+    <p:sldId id="270" r:id="rId15"/>
+    <p:sldId id="273" r:id="rId16"/>
+    <p:sldId id="271" r:id="rId17"/>
+    <p:sldId id="276" r:id="rId18"/>
+    <p:sldId id="277" r:id="rId19"/>
+    <p:sldId id="278" r:id="rId20"/>
   </p:sldIdLst>
   <p:sldSz cx="12192000" cy="6858000"/>
   <p:notesSz cx="6858000" cy="9144000"/>
@@ -113,6 +122,11 @@
       </a:defRPr>
     </a:lvl9pPr>
   </p:defaultTextStyle>
+  <p:extLst>
+    <p:ext uri="{EFAFB233-063F-42B5-8137-9DF3F51BA10A}">
+      <p15:sldGuideLst xmlns:p15="http://schemas.microsoft.com/office/powerpoint/2012/main"/>
+    </p:ext>
+  </p:extLst>
 </p:presentation>
 </file>
 
@@ -263,7 +277,7 @@
           <a:p>
             <a:fld id="{E158DA9E-E9D7-423C-BA12-D7BD92A572C7}" type="datetimeFigureOut">
               <a:rPr lang="en-US" smtClean="0"/>
-              <a:t>8/2/2021</a:t>
+              <a:t>8/3/2021</a:t>
             </a:fld>
             <a:endParaRPr lang="en-US"/>
           </a:p>
@@ -461,7 +475,7 @@
           <a:p>
             <a:fld id="{E158DA9E-E9D7-423C-BA12-D7BD92A572C7}" type="datetimeFigureOut">
               <a:rPr lang="en-US" smtClean="0"/>
-              <a:t>8/2/2021</a:t>
+              <a:t>8/3/2021</a:t>
             </a:fld>
             <a:endParaRPr lang="en-US"/>
           </a:p>
@@ -669,7 +683,7 @@
           <a:p>
             <a:fld id="{E158DA9E-E9D7-423C-BA12-D7BD92A572C7}" type="datetimeFigureOut">
               <a:rPr lang="en-US" smtClean="0"/>
-              <a:t>8/2/2021</a:t>
+              <a:t>8/3/2021</a:t>
             </a:fld>
             <a:endParaRPr lang="en-US"/>
           </a:p>
@@ -867,7 +881,7 @@
           <a:p>
             <a:fld id="{E158DA9E-E9D7-423C-BA12-D7BD92A572C7}" type="datetimeFigureOut">
               <a:rPr lang="en-US" smtClean="0"/>
-              <a:t>8/2/2021</a:t>
+              <a:t>8/3/2021</a:t>
             </a:fld>
             <a:endParaRPr lang="en-US"/>
           </a:p>
@@ -1142,7 +1156,7 @@
           <a:p>
             <a:fld id="{E158DA9E-E9D7-423C-BA12-D7BD92A572C7}" type="datetimeFigureOut">
               <a:rPr lang="en-US" smtClean="0"/>
-              <a:t>8/2/2021</a:t>
+              <a:t>8/3/2021</a:t>
             </a:fld>
             <a:endParaRPr lang="en-US"/>
           </a:p>
@@ -1407,7 +1421,7 @@
           <a:p>
             <a:fld id="{E158DA9E-E9D7-423C-BA12-D7BD92A572C7}" type="datetimeFigureOut">
               <a:rPr lang="en-US" smtClean="0"/>
-              <a:t>8/2/2021</a:t>
+              <a:t>8/3/2021</a:t>
             </a:fld>
             <a:endParaRPr lang="en-US"/>
           </a:p>
@@ -1819,7 +1833,7 @@
           <a:p>
             <a:fld id="{E158DA9E-E9D7-423C-BA12-D7BD92A572C7}" type="datetimeFigureOut">
               <a:rPr lang="en-US" smtClean="0"/>
-              <a:t>8/2/2021</a:t>
+              <a:t>8/3/2021</a:t>
             </a:fld>
             <a:endParaRPr lang="en-US"/>
           </a:p>
@@ -1960,7 +1974,7 @@
           <a:p>
             <a:fld id="{E158DA9E-E9D7-423C-BA12-D7BD92A572C7}" type="datetimeFigureOut">
               <a:rPr lang="en-US" smtClean="0"/>
-              <a:t>8/2/2021</a:t>
+              <a:t>8/3/2021</a:t>
             </a:fld>
             <a:endParaRPr lang="en-US"/>
           </a:p>
@@ -2073,7 +2087,7 @@
           <a:p>
             <a:fld id="{E158DA9E-E9D7-423C-BA12-D7BD92A572C7}" type="datetimeFigureOut">
               <a:rPr lang="en-US" smtClean="0"/>
-              <a:t>8/2/2021</a:t>
+              <a:t>8/3/2021</a:t>
             </a:fld>
             <a:endParaRPr lang="en-US"/>
           </a:p>
@@ -2384,7 +2398,7 @@
           <a:p>
             <a:fld id="{E158DA9E-E9D7-423C-BA12-D7BD92A572C7}" type="datetimeFigureOut">
               <a:rPr lang="en-US" smtClean="0"/>
-              <a:t>8/2/2021</a:t>
+              <a:t>8/3/2021</a:t>
             </a:fld>
             <a:endParaRPr lang="en-US"/>
           </a:p>
@@ -2672,7 +2686,7 @@
           <a:p>
             <a:fld id="{E158DA9E-E9D7-423C-BA12-D7BD92A572C7}" type="datetimeFigureOut">
               <a:rPr lang="en-US" smtClean="0"/>
-              <a:t>8/2/2021</a:t>
+              <a:t>8/3/2021</a:t>
             </a:fld>
             <a:endParaRPr lang="en-US"/>
           </a:p>
@@ -2913,7 +2927,7 @@
           <a:p>
             <a:fld id="{E158DA9E-E9D7-423C-BA12-D7BD92A572C7}" type="datetimeFigureOut">
               <a:rPr lang="en-US" smtClean="0"/>
-              <a:t>8/2/2021</a:t>
+              <a:t>8/3/2021</a:t>
             </a:fld>
             <a:endParaRPr lang="en-US"/>
           </a:p>
@@ -3381,7 +3395,7 @@
           <a:p>
             <a:r>
               <a:rPr lang="en-US" dirty="0"/>
-              <a:t>Ian McCleary</a:t>
+              <a:t>Ian McCleary, Summer 2021</a:t>
             </a:r>
           </a:p>
         </p:txBody>
@@ -3421,7 +3435,7 @@
           <p:cNvPr id="2" name="Title 1">
             <a:extLst>
               <a:ext uri="{FF2B5EF4-FFF2-40B4-BE49-F238E27FC236}">
-                <a16:creationId xmlns:a16="http://schemas.microsoft.com/office/drawing/2014/main" id="{F38879CB-686B-45FC-A40A-9B7BB0C76A4D}"/>
+                <a16:creationId xmlns:a16="http://schemas.microsoft.com/office/drawing/2014/main" id="{86C3097C-5A1E-4A5C-B379-0CFCF7C852C0}"/>
               </a:ext>
             </a:extLst>
           </p:cNvPr>
@@ -3439,41 +3453,159 @@
           <a:p>
             <a:r>
               <a:rPr lang="en-US" dirty="0"/>
-              <a:t>Best Model</a:t>
-            </a:r>
-          </a:p>
-        </p:txBody>
-      </p:sp>
-      <p:sp>
-        <p:nvSpPr>
-          <p:cNvPr id="3" name="Content Placeholder 2">
-            <a:extLst>
-              <a:ext uri="{FF2B5EF4-FFF2-40B4-BE49-F238E27FC236}">
-                <a16:creationId xmlns:a16="http://schemas.microsoft.com/office/drawing/2014/main" id="{B0CAEC7C-02CD-4432-8561-D846820CF4C1}"/>
-              </a:ext>
-            </a:extLst>
-          </p:cNvPr>
-          <p:cNvSpPr>
-            <a:spLocks noGrp="1"/>
-          </p:cNvSpPr>
-          <p:nvPr>
-            <p:ph idx="1"/>
-          </p:nvPr>
-        </p:nvSpPr>
-        <p:spPr/>
-        <p:txBody>
-          <a:bodyPr/>
+              <a:t>Deep Tensor Neural Network (DTNN)</a:t>
+            </a:r>
+          </a:p>
+        </p:txBody>
+      </p:sp>
+      <p:pic>
+        <p:nvPicPr>
+          <p:cNvPr id="5" name="Picture 4" descr="Chart, line chart&#10;&#10;Description automatically generated">
+            <a:extLst>
+              <a:ext uri="{FF2B5EF4-FFF2-40B4-BE49-F238E27FC236}">
+                <a16:creationId xmlns:a16="http://schemas.microsoft.com/office/drawing/2014/main" id="{B6B05F5E-AE45-41B6-B2E8-D2D8D0473560}"/>
+              </a:ext>
+            </a:extLst>
+          </p:cNvPr>
+          <p:cNvPicPr>
+            <a:picLocks noChangeAspect="1"/>
+          </p:cNvPicPr>
+          <p:nvPr/>
+        </p:nvPicPr>
+        <p:blipFill>
+          <a:blip r:embed="rId2">
+            <a:extLst>
+              <a:ext uri="{28A0092B-C50C-407E-A947-70E740481C1C}">
+                <a14:useLocalDpi xmlns:a14="http://schemas.microsoft.com/office/drawing/2010/main" val="0"/>
+              </a:ext>
+            </a:extLst>
+          </a:blip>
+          <a:stretch>
+            <a:fillRect/>
+          </a:stretch>
+        </p:blipFill>
+        <p:spPr>
+          <a:xfrm>
+            <a:off x="712365" y="1438745"/>
+            <a:ext cx="4438475" cy="2667921"/>
+          </a:xfrm>
+          <a:prstGeom prst="rect">
+            <a:avLst/>
+          </a:prstGeom>
+        </p:spPr>
+      </p:pic>
+      <p:pic>
+        <p:nvPicPr>
+          <p:cNvPr id="7" name="Picture 6" descr="A picture containing chart&#10;&#10;Description automatically generated">
+            <a:extLst>
+              <a:ext uri="{FF2B5EF4-FFF2-40B4-BE49-F238E27FC236}">
+                <a16:creationId xmlns:a16="http://schemas.microsoft.com/office/drawing/2014/main" id="{6C13A399-285E-4F99-ACF4-3E093C4B3271}"/>
+              </a:ext>
+            </a:extLst>
+          </p:cNvPr>
+          <p:cNvPicPr>
+            <a:picLocks noChangeAspect="1"/>
+          </p:cNvPicPr>
+          <p:nvPr/>
+        </p:nvPicPr>
+        <p:blipFill>
+          <a:blip r:embed="rId3">
+            <a:extLst>
+              <a:ext uri="{28A0092B-C50C-407E-A947-70E740481C1C}">
+                <a14:useLocalDpi xmlns:a14="http://schemas.microsoft.com/office/drawing/2010/main" val="0"/>
+              </a:ext>
+            </a:extLst>
+          </a:blip>
+          <a:stretch>
+            <a:fillRect/>
+          </a:stretch>
+        </p:blipFill>
+        <p:spPr>
+          <a:xfrm>
+            <a:off x="5943637" y="1438746"/>
+            <a:ext cx="4441162" cy="2667921"/>
+          </a:xfrm>
+          <a:prstGeom prst="rect">
+            <a:avLst/>
+          </a:prstGeom>
+        </p:spPr>
+      </p:pic>
+      <p:pic>
+        <p:nvPicPr>
+          <p:cNvPr id="9" name="Picture 8" descr="Chart, line chart&#10;&#10;Description automatically generated">
+            <a:extLst>
+              <a:ext uri="{FF2B5EF4-FFF2-40B4-BE49-F238E27FC236}">
+                <a16:creationId xmlns:a16="http://schemas.microsoft.com/office/drawing/2014/main" id="{03866610-2E6A-47D9-AD96-C9368D25C6EC}"/>
+              </a:ext>
+            </a:extLst>
+          </p:cNvPr>
+          <p:cNvPicPr>
+            <a:picLocks noChangeAspect="1"/>
+          </p:cNvPicPr>
+          <p:nvPr/>
+        </p:nvPicPr>
+        <p:blipFill>
+          <a:blip r:embed="rId4">
+            <a:extLst>
+              <a:ext uri="{28A0092B-C50C-407E-A947-70E740481C1C}">
+                <a14:useLocalDpi xmlns:a14="http://schemas.microsoft.com/office/drawing/2010/main" val="0"/>
+              </a:ext>
+            </a:extLst>
+          </a:blip>
+          <a:stretch>
+            <a:fillRect/>
+          </a:stretch>
+        </p:blipFill>
+        <p:spPr>
+          <a:xfrm>
+            <a:off x="5943637" y="4106666"/>
+            <a:ext cx="4441162" cy="2667921"/>
+          </a:xfrm>
+          <a:prstGeom prst="rect">
+            <a:avLst/>
+          </a:prstGeom>
+        </p:spPr>
+      </p:pic>
+      <p:sp>
+        <p:nvSpPr>
+          <p:cNvPr id="10" name="TextBox 9">
+            <a:extLst>
+              <a:ext uri="{FF2B5EF4-FFF2-40B4-BE49-F238E27FC236}">
+                <a16:creationId xmlns:a16="http://schemas.microsoft.com/office/drawing/2014/main" id="{5534D4A7-A828-40E8-8CAA-636F68C9ED98}"/>
+              </a:ext>
+            </a:extLst>
+          </p:cNvPr>
+          <p:cNvSpPr txBox="1"/>
+          <p:nvPr/>
+        </p:nvSpPr>
+        <p:spPr>
+          <a:xfrm>
+            <a:off x="771786" y="4580121"/>
+            <a:ext cx="4379053" cy="1754326"/>
+          </a:xfrm>
+          <a:prstGeom prst="rect">
+            <a:avLst/>
+          </a:prstGeom>
+          <a:noFill/>
+        </p:spPr>
+        <p:txBody>
+          <a:bodyPr wrap="square" rtlCol="0">
+            <a:spAutoFit/>
+          </a:bodyPr>
           <a:lstStyle/>
           <a:p>
             <a:r>
               <a:rPr lang="en-US" dirty="0"/>
-              <a:t>Robust Multitask Regressor</a:t>
-            </a:r>
+              <a:t>Charts indicate that DTNN could benefit from more training epochs than other models. </a:t>
+            </a:r>
+          </a:p>
+          <a:p>
+            <a:endParaRPr lang="en-US" dirty="0"/>
           </a:p>
           <a:p>
             <a:r>
               <a:rPr lang="en-US" dirty="0"/>
-              <a:t>DTNN?</a:t>
+              <a:t>50 epochs for K fold validation may not be enough training time.</a:t>
             </a:r>
           </a:p>
         </p:txBody>
@@ -3481,7 +3613,2002 @@
     </p:spTree>
     <p:extLst>
       <p:ext uri="{BB962C8B-B14F-4D97-AF65-F5344CB8AC3E}">
-        <p14:creationId xmlns:p14="http://schemas.microsoft.com/office/powerpoint/2010/main" val="2544211575"/>
+        <p14:creationId xmlns:p14="http://schemas.microsoft.com/office/powerpoint/2010/main" val="3413961074"/>
+      </p:ext>
+    </p:extLst>
+  </p:cSld>
+  <p:clrMapOvr>
+    <a:masterClrMapping/>
+  </p:clrMapOvr>
+</p:sld>
+</file>
+
+<file path=ppt/slides/slide11.xml><?xml version="1.0" encoding="utf-8"?>
+<p:sld xmlns:a="http://schemas.openxmlformats.org/drawingml/2006/main" xmlns:r="http://schemas.openxmlformats.org/officeDocument/2006/relationships" xmlns:p="http://schemas.openxmlformats.org/presentationml/2006/main">
+  <p:cSld>
+    <p:spTree>
+      <p:nvGrpSpPr>
+        <p:cNvPr id="1" name=""/>
+        <p:cNvGrpSpPr/>
+        <p:nvPr/>
+      </p:nvGrpSpPr>
+      <p:grpSpPr>
+        <a:xfrm>
+          <a:off x="0" y="0"/>
+          <a:ext cx="0" cy="0"/>
+          <a:chOff x="0" y="0"/>
+          <a:chExt cx="0" cy="0"/>
+        </a:xfrm>
+      </p:grpSpPr>
+      <p:sp>
+        <p:nvSpPr>
+          <p:cNvPr id="2" name="Title 1">
+            <a:extLst>
+              <a:ext uri="{FF2B5EF4-FFF2-40B4-BE49-F238E27FC236}">
+                <a16:creationId xmlns:a16="http://schemas.microsoft.com/office/drawing/2014/main" id="{AAD1DB95-67C0-4C33-B8B5-A908A7F022EB}"/>
+              </a:ext>
+            </a:extLst>
+          </p:cNvPr>
+          <p:cNvSpPr>
+            <a:spLocks noGrp="1"/>
+          </p:cNvSpPr>
+          <p:nvPr>
+            <p:ph type="title"/>
+          </p:nvPr>
+        </p:nvSpPr>
+        <p:spPr/>
+        <p:txBody>
+          <a:bodyPr/>
+          <a:lstStyle/>
+          <a:p>
+            <a:r>
+              <a:rPr lang="en-US" dirty="0"/>
+              <a:t>Filtered Isomerization Energies</a:t>
+            </a:r>
+          </a:p>
+        </p:txBody>
+      </p:sp>
+      <p:sp>
+        <p:nvSpPr>
+          <p:cNvPr id="3" name="Content Placeholder 2">
+            <a:extLst>
+              <a:ext uri="{FF2B5EF4-FFF2-40B4-BE49-F238E27FC236}">
+                <a16:creationId xmlns:a16="http://schemas.microsoft.com/office/drawing/2014/main" id="{1A562E30-5EA6-4823-92D9-E1479F2182FE}"/>
+              </a:ext>
+            </a:extLst>
+          </p:cNvPr>
+          <p:cNvSpPr>
+            <a:spLocks noGrp="1"/>
+          </p:cNvSpPr>
+          <p:nvPr>
+            <p:ph idx="1"/>
+          </p:nvPr>
+        </p:nvSpPr>
+        <p:spPr/>
+        <p:txBody>
+          <a:bodyPr/>
+          <a:lstStyle/>
+          <a:p>
+            <a:r>
+              <a:rPr lang="en-US" dirty="0"/>
+              <a:t>1k molecule dataset</a:t>
+            </a:r>
+          </a:p>
+          <a:p>
+            <a:r>
+              <a:rPr lang="en-US" dirty="0"/>
+              <a:t>Same tests, but filtered out negative isomerization energies</a:t>
+            </a:r>
+          </a:p>
+          <a:p>
+            <a:r>
+              <a:rPr lang="en-US" dirty="0"/>
+              <a:t>Hyperparameters may change during optimization</a:t>
+            </a:r>
+          </a:p>
+        </p:txBody>
+      </p:sp>
+    </p:spTree>
+    <p:extLst>
+      <p:ext uri="{BB962C8B-B14F-4D97-AF65-F5344CB8AC3E}">
+        <p14:creationId xmlns:p14="http://schemas.microsoft.com/office/powerpoint/2010/main" val="2467126530"/>
+      </p:ext>
+    </p:extLst>
+  </p:cSld>
+  <p:clrMapOvr>
+    <a:masterClrMapping/>
+  </p:clrMapOvr>
+</p:sld>
+</file>
+
+<file path=ppt/slides/slide12.xml><?xml version="1.0" encoding="utf-8"?>
+<p:sld xmlns:a="http://schemas.openxmlformats.org/drawingml/2006/main" xmlns:r="http://schemas.openxmlformats.org/officeDocument/2006/relationships" xmlns:p="http://schemas.openxmlformats.org/presentationml/2006/main">
+  <p:cSld>
+    <p:spTree>
+      <p:nvGrpSpPr>
+        <p:cNvPr id="1" name=""/>
+        <p:cNvGrpSpPr/>
+        <p:nvPr/>
+      </p:nvGrpSpPr>
+      <p:grpSpPr>
+        <a:xfrm>
+          <a:off x="0" y="0"/>
+          <a:ext cx="0" cy="0"/>
+          <a:chOff x="0" y="0"/>
+          <a:chExt cx="0" cy="0"/>
+        </a:xfrm>
+      </p:grpSpPr>
+      <p:sp>
+        <p:nvSpPr>
+          <p:cNvPr id="2" name="Title 1">
+            <a:extLst>
+              <a:ext uri="{FF2B5EF4-FFF2-40B4-BE49-F238E27FC236}">
+                <a16:creationId xmlns:a16="http://schemas.microsoft.com/office/drawing/2014/main" id="{CE580869-E573-47FE-9923-C456F2CF6A82}"/>
+              </a:ext>
+            </a:extLst>
+          </p:cNvPr>
+          <p:cNvSpPr>
+            <a:spLocks noGrp="1"/>
+          </p:cNvSpPr>
+          <p:nvPr>
+            <p:ph type="title"/>
+          </p:nvPr>
+        </p:nvSpPr>
+        <p:spPr/>
+        <p:txBody>
+          <a:bodyPr/>
+          <a:lstStyle/>
+          <a:p>
+            <a:r>
+              <a:rPr lang="en-US" dirty="0"/>
+              <a:t>Multitask Regressor (Standard)</a:t>
+            </a:r>
+          </a:p>
+        </p:txBody>
+      </p:sp>
+      <p:sp>
+        <p:nvSpPr>
+          <p:cNvPr id="4" name="TextBox 3">
+            <a:extLst>
+              <a:ext uri="{FF2B5EF4-FFF2-40B4-BE49-F238E27FC236}">
+                <a16:creationId xmlns:a16="http://schemas.microsoft.com/office/drawing/2014/main" id="{1F1F943C-CE9F-4295-A416-3A978F973119}"/>
+              </a:ext>
+            </a:extLst>
+          </p:cNvPr>
+          <p:cNvSpPr txBox="1"/>
+          <p:nvPr/>
+        </p:nvSpPr>
+        <p:spPr>
+          <a:xfrm>
+            <a:off x="427839" y="1862356"/>
+            <a:ext cx="2986480" cy="4524315"/>
+          </a:xfrm>
+          <a:prstGeom prst="rect">
+            <a:avLst/>
+          </a:prstGeom>
+          <a:noFill/>
+        </p:spPr>
+        <p:txBody>
+          <a:bodyPr wrap="square" rtlCol="0">
+            <a:spAutoFit/>
+          </a:bodyPr>
+          <a:lstStyle/>
+          <a:p>
+            <a:r>
+              <a:rPr lang="pt-BR" dirty="0"/>
+              <a:t>(3, 2048, [64, 128, 256], 0.2, 1e-05)</a:t>
+            </a:r>
+          </a:p>
+          <a:p>
+            <a:endParaRPr lang="pt-BR" dirty="0"/>
+          </a:p>
+          <a:p>
+            <a:r>
+              <a:rPr lang="pt-BR" dirty="0"/>
+              <a:t>mean rms:</a:t>
+            </a:r>
+          </a:p>
+          <a:p>
+            <a:r>
+              <a:rPr lang="pt-BR" dirty="0"/>
+              <a:t>3.8019005692379366</a:t>
+            </a:r>
+          </a:p>
+          <a:p>
+            <a:endParaRPr lang="pt-BR" dirty="0"/>
+          </a:p>
+          <a:p>
+            <a:r>
+              <a:rPr lang="pt-BR" dirty="0"/>
+              <a:t>eiso rms:</a:t>
+            </a:r>
+          </a:p>
+          <a:p>
+            <a:r>
+              <a:rPr lang="pt-BR" dirty="0"/>
+              <a:t>9.913886704058203</a:t>
+            </a:r>
+          </a:p>
+          <a:p>
+            <a:endParaRPr lang="pt-BR" dirty="0"/>
+          </a:p>
+          <a:p>
+            <a:r>
+              <a:rPr lang="pt-BR" dirty="0"/>
+              <a:t>riso rms:</a:t>
+            </a:r>
+          </a:p>
+          <a:p>
+            <a:r>
+              <a:rPr lang="pt-BR" dirty="0"/>
+              <a:t>1.4154348448156524</a:t>
+            </a:r>
+          </a:p>
+          <a:p>
+            <a:endParaRPr lang="pt-BR" dirty="0"/>
+          </a:p>
+          <a:p>
+            <a:r>
+              <a:rPr lang="pt-BR" dirty="0"/>
+              <a:t>vert rms:</a:t>
+            </a:r>
+          </a:p>
+          <a:p>
+            <a:r>
+              <a:rPr lang="pt-BR" dirty="0"/>
+              <a:t>0.07638015883995232</a:t>
+            </a:r>
+          </a:p>
+          <a:p>
+            <a:endParaRPr lang="pt-BR" dirty="0"/>
+          </a:p>
+          <a:p>
+            <a:endParaRPr lang="pt-BR" dirty="0"/>
+          </a:p>
+        </p:txBody>
+      </p:sp>
+      <p:sp>
+        <p:nvSpPr>
+          <p:cNvPr id="5" name="TextBox 4">
+            <a:extLst>
+              <a:ext uri="{FF2B5EF4-FFF2-40B4-BE49-F238E27FC236}">
+                <a16:creationId xmlns:a16="http://schemas.microsoft.com/office/drawing/2014/main" id="{87DA280C-1B32-435D-B18E-5A9DF614A796}"/>
+              </a:ext>
+            </a:extLst>
+          </p:cNvPr>
+          <p:cNvSpPr txBox="1"/>
+          <p:nvPr/>
+        </p:nvSpPr>
+        <p:spPr>
+          <a:xfrm>
+            <a:off x="3993160" y="1786855"/>
+            <a:ext cx="3053592" cy="2585323"/>
+          </a:xfrm>
+          <a:prstGeom prst="rect">
+            <a:avLst/>
+          </a:prstGeom>
+          <a:noFill/>
+        </p:spPr>
+        <p:txBody>
+          <a:bodyPr wrap="square" rtlCol="0">
+            <a:spAutoFit/>
+          </a:bodyPr>
+          <a:lstStyle/>
+          <a:p>
+            <a:r>
+              <a:rPr lang="pt-BR" dirty="0"/>
+              <a:t>eiso r2:</a:t>
+            </a:r>
+          </a:p>
+          <a:p>
+            <a:r>
+              <a:rPr lang="pt-BR" dirty="0"/>
+              <a:t>0.0032425817974257587</a:t>
+            </a:r>
+          </a:p>
+          <a:p>
+            <a:endParaRPr lang="pt-BR" dirty="0"/>
+          </a:p>
+          <a:p>
+            <a:r>
+              <a:rPr lang="pt-BR" dirty="0"/>
+              <a:t>riso r2:</a:t>
+            </a:r>
+          </a:p>
+          <a:p>
+            <a:r>
+              <a:rPr lang="pt-BR" dirty="0"/>
+              <a:t>-0.0017141308740074024</a:t>
+            </a:r>
+          </a:p>
+          <a:p>
+            <a:endParaRPr lang="pt-BR" dirty="0"/>
+          </a:p>
+          <a:p>
+            <a:r>
+              <a:rPr lang="pt-BR" dirty="0"/>
+              <a:t>vert r2:</a:t>
+            </a:r>
+          </a:p>
+          <a:p>
+            <a:r>
+              <a:rPr lang="pt-BR" dirty="0"/>
+              <a:t>-0.006408986679876216</a:t>
+            </a:r>
+          </a:p>
+          <a:p>
+            <a:endParaRPr lang="en-US" dirty="0"/>
+          </a:p>
+        </p:txBody>
+      </p:sp>
+      <p:sp>
+        <p:nvSpPr>
+          <p:cNvPr id="6" name="TextBox 5">
+            <a:extLst>
+              <a:ext uri="{FF2B5EF4-FFF2-40B4-BE49-F238E27FC236}">
+                <a16:creationId xmlns:a16="http://schemas.microsoft.com/office/drawing/2014/main" id="{7D0B27B2-1A9F-4E70-868D-FA2884F718BB}"/>
+              </a:ext>
+            </a:extLst>
+          </p:cNvPr>
+          <p:cNvSpPr txBox="1"/>
+          <p:nvPr/>
+        </p:nvSpPr>
+        <p:spPr>
+          <a:xfrm>
+            <a:off x="7935985" y="1690688"/>
+            <a:ext cx="3347208" cy="4247317"/>
+          </a:xfrm>
+          <a:prstGeom prst="rect">
+            <a:avLst/>
+          </a:prstGeom>
+          <a:noFill/>
+        </p:spPr>
+        <p:txBody>
+          <a:bodyPr wrap="square" rtlCol="0">
+            <a:spAutoFit/>
+          </a:bodyPr>
+          <a:lstStyle/>
+          <a:p>
+            <a:r>
+              <a:rPr lang="pt-BR" dirty="0"/>
+              <a:t>eiso:</a:t>
+            </a:r>
+          </a:p>
+          <a:p>
+            <a:r>
+              <a:rPr lang="pt-BR" dirty="0"/>
+              <a:t>7.358480187127993</a:t>
+            </a:r>
+          </a:p>
+          <a:p>
+            <a:r>
+              <a:rPr lang="pt-BR" dirty="0"/>
+              <a:t>14.183400760271924</a:t>
+            </a:r>
+          </a:p>
+          <a:p>
+            <a:r>
+              <a:rPr lang="pt-BR" dirty="0"/>
+              <a:t>2.27604825162993</a:t>
+            </a:r>
+          </a:p>
+          <a:p>
+            <a:endParaRPr lang="pt-BR" dirty="0"/>
+          </a:p>
+          <a:p>
+            <a:r>
+              <a:rPr lang="pt-BR" dirty="0"/>
+              <a:t>riso:</a:t>
+            </a:r>
+          </a:p>
+          <a:p>
+            <a:r>
+              <a:rPr lang="pt-BR" dirty="0"/>
+              <a:t>1.1285673738589828</a:t>
+            </a:r>
+          </a:p>
+          <a:p>
+            <a:r>
+              <a:rPr lang="pt-BR" dirty="0"/>
+              <a:t>1.5450164582216586</a:t>
+            </a:r>
+          </a:p>
+          <a:p>
+            <a:r>
+              <a:rPr lang="pt-BR" dirty="0"/>
+              <a:t>0.910449279464517</a:t>
+            </a:r>
+          </a:p>
+          <a:p>
+            <a:endParaRPr lang="pt-BR" dirty="0"/>
+          </a:p>
+          <a:p>
+            <a:r>
+              <a:rPr lang="pt-BR" dirty="0"/>
+              <a:t>vert:</a:t>
+            </a:r>
+          </a:p>
+          <a:p>
+            <a:r>
+              <a:rPr lang="pt-BR" dirty="0"/>
+              <a:t>0.07066552914981139</a:t>
+            </a:r>
+          </a:p>
+          <a:p>
+            <a:r>
+              <a:rPr lang="pt-BR" dirty="0"/>
+              <a:t>0.09955240848352048</a:t>
+            </a:r>
+          </a:p>
+          <a:p>
+            <a:r>
+              <a:rPr lang="pt-BR" dirty="0"/>
+              <a:t>0.05122999973198592</a:t>
+            </a:r>
+          </a:p>
+          <a:p>
+            <a:endParaRPr lang="en-US" dirty="0"/>
+          </a:p>
+        </p:txBody>
+      </p:sp>
+    </p:spTree>
+    <p:extLst>
+      <p:ext uri="{BB962C8B-B14F-4D97-AF65-F5344CB8AC3E}">
+        <p14:creationId xmlns:p14="http://schemas.microsoft.com/office/powerpoint/2010/main" val="3346622120"/>
+      </p:ext>
+    </p:extLst>
+  </p:cSld>
+  <p:clrMapOvr>
+    <a:masterClrMapping/>
+  </p:clrMapOvr>
+</p:sld>
+</file>
+
+<file path=ppt/slides/slide13.xml><?xml version="1.0" encoding="utf-8"?>
+<p:sld xmlns:a="http://schemas.openxmlformats.org/drawingml/2006/main" xmlns:r="http://schemas.openxmlformats.org/officeDocument/2006/relationships" xmlns:p="http://schemas.openxmlformats.org/presentationml/2006/main">
+  <p:cSld>
+    <p:spTree>
+      <p:nvGrpSpPr>
+        <p:cNvPr id="1" name=""/>
+        <p:cNvGrpSpPr/>
+        <p:nvPr/>
+      </p:nvGrpSpPr>
+      <p:grpSpPr>
+        <a:xfrm>
+          <a:off x="0" y="0"/>
+          <a:ext cx="0" cy="0"/>
+          <a:chOff x="0" y="0"/>
+          <a:chExt cx="0" cy="0"/>
+        </a:xfrm>
+      </p:grpSpPr>
+      <p:sp>
+        <p:nvSpPr>
+          <p:cNvPr id="2" name="Title 1">
+            <a:extLst>
+              <a:ext uri="{FF2B5EF4-FFF2-40B4-BE49-F238E27FC236}">
+                <a16:creationId xmlns:a16="http://schemas.microsoft.com/office/drawing/2014/main" id="{C313B510-15E3-4B7B-93DB-CF5F075713B5}"/>
+              </a:ext>
+            </a:extLst>
+          </p:cNvPr>
+          <p:cNvSpPr>
+            <a:spLocks noGrp="1"/>
+          </p:cNvSpPr>
+          <p:nvPr>
+            <p:ph type="title"/>
+          </p:nvPr>
+        </p:nvSpPr>
+        <p:spPr/>
+        <p:txBody>
+          <a:bodyPr/>
+          <a:lstStyle/>
+          <a:p>
+            <a:r>
+              <a:rPr lang="en-US" dirty="0"/>
+              <a:t>Multitask Regressor (Standard)</a:t>
+            </a:r>
+          </a:p>
+        </p:txBody>
+      </p:sp>
+      <p:pic>
+        <p:nvPicPr>
+          <p:cNvPr id="5" name="Picture 4" descr="A picture containing table&#10;&#10;Description automatically generated">
+            <a:extLst>
+              <a:ext uri="{FF2B5EF4-FFF2-40B4-BE49-F238E27FC236}">
+                <a16:creationId xmlns:a16="http://schemas.microsoft.com/office/drawing/2014/main" id="{2CE0FA4F-2477-4D1C-AA17-6EFA89A2311C}"/>
+              </a:ext>
+            </a:extLst>
+          </p:cNvPr>
+          <p:cNvPicPr>
+            <a:picLocks noChangeAspect="1"/>
+          </p:cNvPicPr>
+          <p:nvPr/>
+        </p:nvPicPr>
+        <p:blipFill>
+          <a:blip r:embed="rId2">
+            <a:extLst>
+              <a:ext uri="{28A0092B-C50C-407E-A947-70E740481C1C}">
+                <a14:useLocalDpi xmlns:a14="http://schemas.microsoft.com/office/drawing/2010/main" val="0"/>
+              </a:ext>
+            </a:extLst>
+          </a:blip>
+          <a:stretch>
+            <a:fillRect/>
+          </a:stretch>
+        </p:blipFill>
+        <p:spPr>
+          <a:xfrm>
+            <a:off x="634401" y="2398036"/>
+            <a:ext cx="4580357" cy="2751539"/>
+          </a:xfrm>
+          <a:prstGeom prst="rect">
+            <a:avLst/>
+          </a:prstGeom>
+        </p:spPr>
+      </p:pic>
+      <p:pic>
+        <p:nvPicPr>
+          <p:cNvPr id="7" name="Picture 6" descr="Graphical user interface, application, email&#10;&#10;Description automatically generated">
+            <a:extLst>
+              <a:ext uri="{FF2B5EF4-FFF2-40B4-BE49-F238E27FC236}">
+                <a16:creationId xmlns:a16="http://schemas.microsoft.com/office/drawing/2014/main" id="{62A028E4-C41A-498B-8C52-607EB86B2C58}"/>
+              </a:ext>
+            </a:extLst>
+          </p:cNvPr>
+          <p:cNvPicPr>
+            <a:picLocks noChangeAspect="1"/>
+          </p:cNvPicPr>
+          <p:nvPr/>
+        </p:nvPicPr>
+        <p:blipFill>
+          <a:blip r:embed="rId3">
+            <a:extLst>
+              <a:ext uri="{28A0092B-C50C-407E-A947-70E740481C1C}">
+                <a14:useLocalDpi xmlns:a14="http://schemas.microsoft.com/office/drawing/2010/main" val="0"/>
+              </a:ext>
+            </a:extLst>
+          </a:blip>
+          <a:stretch>
+            <a:fillRect/>
+          </a:stretch>
+        </p:blipFill>
+        <p:spPr>
+          <a:xfrm>
+            <a:off x="6750025" y="2398036"/>
+            <a:ext cx="4807574" cy="2751539"/>
+          </a:xfrm>
+          <a:prstGeom prst="rect">
+            <a:avLst/>
+          </a:prstGeom>
+        </p:spPr>
+      </p:pic>
+    </p:spTree>
+    <p:extLst>
+      <p:ext uri="{BB962C8B-B14F-4D97-AF65-F5344CB8AC3E}">
+        <p14:creationId xmlns:p14="http://schemas.microsoft.com/office/powerpoint/2010/main" val="4191659646"/>
+      </p:ext>
+    </p:extLst>
+  </p:cSld>
+  <p:clrMapOvr>
+    <a:masterClrMapping/>
+  </p:clrMapOvr>
+</p:sld>
+</file>
+
+<file path=ppt/slides/slide14.xml><?xml version="1.0" encoding="utf-8"?>
+<p:sld xmlns:a="http://schemas.openxmlformats.org/drawingml/2006/main" xmlns:r="http://schemas.openxmlformats.org/officeDocument/2006/relationships" xmlns:p="http://schemas.openxmlformats.org/presentationml/2006/main">
+  <p:cSld>
+    <p:spTree>
+      <p:nvGrpSpPr>
+        <p:cNvPr id="1" name=""/>
+        <p:cNvGrpSpPr/>
+        <p:nvPr/>
+      </p:nvGrpSpPr>
+      <p:grpSpPr>
+        <a:xfrm>
+          <a:off x="0" y="0"/>
+          <a:ext cx="0" cy="0"/>
+          <a:chOff x="0" y="0"/>
+          <a:chExt cx="0" cy="0"/>
+        </a:xfrm>
+      </p:grpSpPr>
+      <p:sp>
+        <p:nvSpPr>
+          <p:cNvPr id="2" name="Title 1">
+            <a:extLst>
+              <a:ext uri="{FF2B5EF4-FFF2-40B4-BE49-F238E27FC236}">
+                <a16:creationId xmlns:a16="http://schemas.microsoft.com/office/drawing/2014/main" id="{CE580869-E573-47FE-9923-C456F2CF6A82}"/>
+              </a:ext>
+            </a:extLst>
+          </p:cNvPr>
+          <p:cNvSpPr>
+            <a:spLocks noGrp="1"/>
+          </p:cNvSpPr>
+          <p:nvPr>
+            <p:ph type="title"/>
+          </p:nvPr>
+        </p:nvSpPr>
+        <p:spPr/>
+        <p:txBody>
+          <a:bodyPr/>
+          <a:lstStyle/>
+          <a:p>
+            <a:r>
+              <a:rPr lang="en-US" dirty="0"/>
+              <a:t>Robust Multitask Regressor</a:t>
+            </a:r>
+          </a:p>
+        </p:txBody>
+      </p:sp>
+      <p:sp>
+        <p:nvSpPr>
+          <p:cNvPr id="4" name="TextBox 3">
+            <a:extLst>
+              <a:ext uri="{FF2B5EF4-FFF2-40B4-BE49-F238E27FC236}">
+                <a16:creationId xmlns:a16="http://schemas.microsoft.com/office/drawing/2014/main" id="{1F1F943C-CE9F-4295-A416-3A978F973119}"/>
+              </a:ext>
+            </a:extLst>
+          </p:cNvPr>
+          <p:cNvSpPr txBox="1"/>
+          <p:nvPr/>
+        </p:nvSpPr>
+        <p:spPr>
+          <a:xfrm>
+            <a:off x="427839" y="1887523"/>
+            <a:ext cx="3347208" cy="4801314"/>
+          </a:xfrm>
+          <a:prstGeom prst="rect">
+            <a:avLst/>
+          </a:prstGeom>
+          <a:noFill/>
+        </p:spPr>
+        <p:txBody>
+          <a:bodyPr wrap="square" rtlCol="0">
+            <a:spAutoFit/>
+          </a:bodyPr>
+          <a:lstStyle/>
+          <a:p>
+            <a:r>
+              <a:rPr lang="pt-BR" dirty="0"/>
+              <a:t>(3, 2048, [500, 500, 500], 0.02, 0.5, 'l2', 0.25, [10, 10, 10], 0.5, 0.75)</a:t>
+            </a:r>
+          </a:p>
+          <a:p>
+            <a:r>
+              <a:rPr lang="pt-BR" dirty="0"/>
+              <a:t>mean rms:</a:t>
+            </a:r>
+          </a:p>
+          <a:p>
+            <a:r>
+              <a:rPr lang="pt-BR" dirty="0"/>
+              <a:t>3.614691516879612</a:t>
+            </a:r>
+          </a:p>
+          <a:p>
+            <a:endParaRPr lang="pt-BR" dirty="0"/>
+          </a:p>
+          <a:p>
+            <a:r>
+              <a:rPr lang="pt-BR" dirty="0"/>
+              <a:t>eiso rms:</a:t>
+            </a:r>
+          </a:p>
+          <a:p>
+            <a:r>
+              <a:rPr lang="pt-BR" dirty="0"/>
+              <a:t>9.465568857692647</a:t>
+            </a:r>
+          </a:p>
+          <a:p>
+            <a:endParaRPr lang="pt-BR" dirty="0"/>
+          </a:p>
+          <a:p>
+            <a:r>
+              <a:rPr lang="pt-BR" dirty="0"/>
+              <a:t>riso rms:</a:t>
+            </a:r>
+          </a:p>
+          <a:p>
+            <a:r>
+              <a:rPr lang="pt-BR" dirty="0"/>
+              <a:t>1.309315742974285</a:t>
+            </a:r>
+          </a:p>
+          <a:p>
+            <a:endParaRPr lang="pt-BR" dirty="0"/>
+          </a:p>
+          <a:p>
+            <a:r>
+              <a:rPr lang="pt-BR" dirty="0"/>
+              <a:t>vert rms:</a:t>
+            </a:r>
+          </a:p>
+          <a:p>
+            <a:r>
+              <a:rPr lang="pt-BR" dirty="0"/>
+              <a:t>0.06918994997190568</a:t>
+            </a:r>
+          </a:p>
+          <a:p>
+            <a:endParaRPr lang="pt-BR" dirty="0"/>
+          </a:p>
+          <a:p>
+            <a:endParaRPr lang="pt-BR" dirty="0"/>
+          </a:p>
+          <a:p>
+            <a:endParaRPr lang="pt-BR" dirty="0"/>
+          </a:p>
+        </p:txBody>
+      </p:sp>
+      <p:sp>
+        <p:nvSpPr>
+          <p:cNvPr id="5" name="TextBox 4">
+            <a:extLst>
+              <a:ext uri="{FF2B5EF4-FFF2-40B4-BE49-F238E27FC236}">
+                <a16:creationId xmlns:a16="http://schemas.microsoft.com/office/drawing/2014/main" id="{87DA280C-1B32-435D-B18E-5A9DF614A796}"/>
+              </a:ext>
+            </a:extLst>
+          </p:cNvPr>
+          <p:cNvSpPr txBox="1"/>
+          <p:nvPr/>
+        </p:nvSpPr>
+        <p:spPr>
+          <a:xfrm>
+            <a:off x="3993160" y="1786855"/>
+            <a:ext cx="3053592" cy="2308324"/>
+          </a:xfrm>
+          <a:prstGeom prst="rect">
+            <a:avLst/>
+          </a:prstGeom>
+          <a:noFill/>
+        </p:spPr>
+        <p:txBody>
+          <a:bodyPr wrap="square" rtlCol="0">
+            <a:spAutoFit/>
+          </a:bodyPr>
+          <a:lstStyle/>
+          <a:p>
+            <a:r>
+              <a:rPr lang="pt-BR" dirty="0"/>
+              <a:t>eiso r2:</a:t>
+            </a:r>
+          </a:p>
+          <a:p>
+            <a:r>
+              <a:rPr lang="pt-BR" dirty="0"/>
+              <a:t>0.09135338757346556</a:t>
+            </a:r>
+          </a:p>
+          <a:p>
+            <a:endParaRPr lang="pt-BR" dirty="0"/>
+          </a:p>
+          <a:p>
+            <a:r>
+              <a:rPr lang="pt-BR" dirty="0"/>
+              <a:t>riso r2:</a:t>
+            </a:r>
+          </a:p>
+          <a:p>
+            <a:r>
+              <a:rPr lang="pt-BR" dirty="0"/>
+              <a:t>0.14285792446640855</a:t>
+            </a:r>
+          </a:p>
+          <a:p>
+            <a:endParaRPr lang="pt-BR" dirty="0"/>
+          </a:p>
+          <a:p>
+            <a:r>
+              <a:rPr lang="pt-BR" dirty="0"/>
+              <a:t>vert r2:</a:t>
+            </a:r>
+          </a:p>
+          <a:p>
+            <a:r>
+              <a:rPr lang="pt-BR" dirty="0"/>
+              <a:t>0.1741533243779907</a:t>
+            </a:r>
+            <a:endParaRPr lang="en-US" dirty="0"/>
+          </a:p>
+        </p:txBody>
+      </p:sp>
+      <p:sp>
+        <p:nvSpPr>
+          <p:cNvPr id="6" name="TextBox 5">
+            <a:extLst>
+              <a:ext uri="{FF2B5EF4-FFF2-40B4-BE49-F238E27FC236}">
+                <a16:creationId xmlns:a16="http://schemas.microsoft.com/office/drawing/2014/main" id="{7D0B27B2-1A9F-4E70-868D-FA2884F718BB}"/>
+              </a:ext>
+            </a:extLst>
+          </p:cNvPr>
+          <p:cNvSpPr txBox="1"/>
+          <p:nvPr/>
+        </p:nvSpPr>
+        <p:spPr>
+          <a:xfrm>
+            <a:off x="7935985" y="1690688"/>
+            <a:ext cx="3347208" cy="3970318"/>
+          </a:xfrm>
+          <a:prstGeom prst="rect">
+            <a:avLst/>
+          </a:prstGeom>
+          <a:noFill/>
+        </p:spPr>
+        <p:txBody>
+          <a:bodyPr wrap="square" rtlCol="0">
+            <a:spAutoFit/>
+          </a:bodyPr>
+          <a:lstStyle/>
+          <a:p>
+            <a:r>
+              <a:rPr lang="pt-BR" dirty="0"/>
+              <a:t>eiso:</a:t>
+            </a:r>
+          </a:p>
+          <a:p>
+            <a:r>
+              <a:rPr lang="pt-BR" dirty="0"/>
+              <a:t>0.9559072063382381</a:t>
+            </a:r>
+          </a:p>
+          <a:p>
+            <a:r>
+              <a:rPr lang="pt-BR" dirty="0"/>
+              <a:t>9.516167170108234</a:t>
+            </a:r>
+          </a:p>
+          <a:p>
+            <a:r>
+              <a:rPr lang="pt-BR" dirty="0"/>
+              <a:t>0.29702381138799</a:t>
+            </a:r>
+          </a:p>
+          <a:p>
+            <a:endParaRPr lang="pt-BR" dirty="0"/>
+          </a:p>
+          <a:p>
+            <a:r>
+              <a:rPr lang="pt-BR" dirty="0"/>
+              <a:t>riso:</a:t>
+            </a:r>
+          </a:p>
+          <a:p>
+            <a:r>
+              <a:rPr lang="pt-BR" dirty="0"/>
+              <a:t>0.23565476825927129</a:t>
+            </a:r>
+          </a:p>
+          <a:p>
+            <a:r>
+              <a:rPr lang="pt-BR" dirty="0"/>
+              <a:t>0.7182611438628266</a:t>
+            </a:r>
+          </a:p>
+          <a:p>
+            <a:r>
+              <a:rPr lang="pt-BR" dirty="0"/>
+              <a:t>0.06979395011621882</a:t>
+            </a:r>
+          </a:p>
+          <a:p>
+            <a:endParaRPr lang="pt-BR" dirty="0"/>
+          </a:p>
+          <a:p>
+            <a:r>
+              <a:rPr lang="pt-BR" dirty="0"/>
+              <a:t>vert:</a:t>
+            </a:r>
+          </a:p>
+          <a:p>
+            <a:r>
+              <a:rPr lang="pt-BR" dirty="0"/>
+              <a:t>0.00836522952677163</a:t>
+            </a:r>
+          </a:p>
+          <a:p>
+            <a:r>
+              <a:rPr lang="pt-BR" dirty="0"/>
+              <a:t>0.0396715622443771</a:t>
+            </a:r>
+          </a:p>
+          <a:p>
+            <a:r>
+              <a:rPr lang="pt-BR" dirty="0"/>
+              <a:t>0.0040378318814695835</a:t>
+            </a:r>
+          </a:p>
+        </p:txBody>
+      </p:sp>
+    </p:spTree>
+    <p:extLst>
+      <p:ext uri="{BB962C8B-B14F-4D97-AF65-F5344CB8AC3E}">
+        <p14:creationId xmlns:p14="http://schemas.microsoft.com/office/powerpoint/2010/main" val="1453733840"/>
+      </p:ext>
+    </p:extLst>
+  </p:cSld>
+  <p:clrMapOvr>
+    <a:masterClrMapping/>
+  </p:clrMapOvr>
+</p:sld>
+</file>
+
+<file path=ppt/slides/slide15.xml><?xml version="1.0" encoding="utf-8"?>
+<p:sld xmlns:a="http://schemas.openxmlformats.org/drawingml/2006/main" xmlns:r="http://schemas.openxmlformats.org/officeDocument/2006/relationships" xmlns:p="http://schemas.openxmlformats.org/presentationml/2006/main">
+  <p:cSld>
+    <p:spTree>
+      <p:nvGrpSpPr>
+        <p:cNvPr id="1" name=""/>
+        <p:cNvGrpSpPr/>
+        <p:nvPr/>
+      </p:nvGrpSpPr>
+      <p:grpSpPr>
+        <a:xfrm>
+          <a:off x="0" y="0"/>
+          <a:ext cx="0" cy="0"/>
+          <a:chOff x="0" y="0"/>
+          <a:chExt cx="0" cy="0"/>
+        </a:xfrm>
+      </p:grpSpPr>
+      <p:sp>
+        <p:nvSpPr>
+          <p:cNvPr id="2" name="Title 1">
+            <a:extLst>
+              <a:ext uri="{FF2B5EF4-FFF2-40B4-BE49-F238E27FC236}">
+                <a16:creationId xmlns:a16="http://schemas.microsoft.com/office/drawing/2014/main" id="{25E55766-D7C3-4A41-9576-84A3ACAE97AE}"/>
+              </a:ext>
+            </a:extLst>
+          </p:cNvPr>
+          <p:cNvSpPr>
+            <a:spLocks noGrp="1"/>
+          </p:cNvSpPr>
+          <p:nvPr>
+            <p:ph type="title"/>
+          </p:nvPr>
+        </p:nvSpPr>
+        <p:spPr/>
+        <p:txBody>
+          <a:bodyPr/>
+          <a:lstStyle/>
+          <a:p>
+            <a:r>
+              <a:rPr lang="en-US" dirty="0"/>
+              <a:t>Robust Multitask Regressor</a:t>
+            </a:r>
+          </a:p>
+        </p:txBody>
+      </p:sp>
+      <p:pic>
+        <p:nvPicPr>
+          <p:cNvPr id="5" name="Picture 4" descr="A picture containing graphical user interface&#10;&#10;Description automatically generated">
+            <a:extLst>
+              <a:ext uri="{FF2B5EF4-FFF2-40B4-BE49-F238E27FC236}">
+                <a16:creationId xmlns:a16="http://schemas.microsoft.com/office/drawing/2014/main" id="{E98C3A7A-741F-4C86-A47D-B9002DBDE921}"/>
+              </a:ext>
+            </a:extLst>
+          </p:cNvPr>
+          <p:cNvPicPr>
+            <a:picLocks noChangeAspect="1"/>
+          </p:cNvPicPr>
+          <p:nvPr/>
+        </p:nvPicPr>
+        <p:blipFill>
+          <a:blip r:embed="rId2">
+            <a:extLst>
+              <a:ext uri="{28A0092B-C50C-407E-A947-70E740481C1C}">
+                <a14:useLocalDpi xmlns:a14="http://schemas.microsoft.com/office/drawing/2010/main" val="0"/>
+              </a:ext>
+            </a:extLst>
+          </a:blip>
+          <a:stretch>
+            <a:fillRect/>
+          </a:stretch>
+        </p:blipFill>
+        <p:spPr>
+          <a:xfrm>
+            <a:off x="680066" y="2295826"/>
+            <a:ext cx="4580357" cy="2751539"/>
+          </a:xfrm>
+          <a:prstGeom prst="rect">
+            <a:avLst/>
+          </a:prstGeom>
+        </p:spPr>
+      </p:pic>
+      <p:pic>
+        <p:nvPicPr>
+          <p:cNvPr id="7" name="Picture 6" descr="Chart, line chart&#10;&#10;Description automatically generated">
+            <a:extLst>
+              <a:ext uri="{FF2B5EF4-FFF2-40B4-BE49-F238E27FC236}">
+                <a16:creationId xmlns:a16="http://schemas.microsoft.com/office/drawing/2014/main" id="{7E977B5F-9F0F-4D81-8C43-A0EA3C2A9169}"/>
+              </a:ext>
+            </a:extLst>
+          </p:cNvPr>
+          <p:cNvPicPr>
+            <a:picLocks noChangeAspect="1"/>
+          </p:cNvPicPr>
+          <p:nvPr/>
+        </p:nvPicPr>
+        <p:blipFill>
+          <a:blip r:embed="rId3">
+            <a:extLst>
+              <a:ext uri="{28A0092B-C50C-407E-A947-70E740481C1C}">
+                <a14:useLocalDpi xmlns:a14="http://schemas.microsoft.com/office/drawing/2010/main" val="0"/>
+              </a:ext>
+            </a:extLst>
+          </a:blip>
+          <a:stretch>
+            <a:fillRect/>
+          </a:stretch>
+        </p:blipFill>
+        <p:spPr>
+          <a:xfrm>
+            <a:off x="6493748" y="2295825"/>
+            <a:ext cx="4580357" cy="2751539"/>
+          </a:xfrm>
+          <a:prstGeom prst="rect">
+            <a:avLst/>
+          </a:prstGeom>
+        </p:spPr>
+      </p:pic>
+    </p:spTree>
+    <p:extLst>
+      <p:ext uri="{BB962C8B-B14F-4D97-AF65-F5344CB8AC3E}">
+        <p14:creationId xmlns:p14="http://schemas.microsoft.com/office/powerpoint/2010/main" val="1549727550"/>
+      </p:ext>
+    </p:extLst>
+  </p:cSld>
+  <p:clrMapOvr>
+    <a:masterClrMapping/>
+  </p:clrMapOvr>
+</p:sld>
+</file>
+
+<file path=ppt/slides/slide16.xml><?xml version="1.0" encoding="utf-8"?>
+<p:sld xmlns:a="http://schemas.openxmlformats.org/drawingml/2006/main" xmlns:r="http://schemas.openxmlformats.org/officeDocument/2006/relationships" xmlns:p="http://schemas.openxmlformats.org/presentationml/2006/main">
+  <p:cSld>
+    <p:spTree>
+      <p:nvGrpSpPr>
+        <p:cNvPr id="1" name=""/>
+        <p:cNvGrpSpPr/>
+        <p:nvPr/>
+      </p:nvGrpSpPr>
+      <p:grpSpPr>
+        <a:xfrm>
+          <a:off x="0" y="0"/>
+          <a:ext cx="0" cy="0"/>
+          <a:chOff x="0" y="0"/>
+          <a:chExt cx="0" cy="0"/>
+        </a:xfrm>
+      </p:grpSpPr>
+      <p:sp>
+        <p:nvSpPr>
+          <p:cNvPr id="2" name="Title 1">
+            <a:extLst>
+              <a:ext uri="{FF2B5EF4-FFF2-40B4-BE49-F238E27FC236}">
+                <a16:creationId xmlns:a16="http://schemas.microsoft.com/office/drawing/2014/main" id="{CE580869-E573-47FE-9923-C456F2CF6A82}"/>
+              </a:ext>
+            </a:extLst>
+          </p:cNvPr>
+          <p:cNvSpPr>
+            <a:spLocks noGrp="1"/>
+          </p:cNvSpPr>
+          <p:nvPr>
+            <p:ph type="title"/>
+          </p:nvPr>
+        </p:nvSpPr>
+        <p:spPr/>
+        <p:txBody>
+          <a:bodyPr/>
+          <a:lstStyle/>
+          <a:p>
+            <a:r>
+              <a:rPr lang="en-US" dirty="0"/>
+              <a:t>Graph Convolutional</a:t>
+            </a:r>
+          </a:p>
+        </p:txBody>
+      </p:sp>
+      <p:sp>
+        <p:nvSpPr>
+          <p:cNvPr id="4" name="TextBox 3">
+            <a:extLst>
+              <a:ext uri="{FF2B5EF4-FFF2-40B4-BE49-F238E27FC236}">
+                <a16:creationId xmlns:a16="http://schemas.microsoft.com/office/drawing/2014/main" id="{1F1F943C-CE9F-4295-A416-3A978F973119}"/>
+              </a:ext>
+            </a:extLst>
+          </p:cNvPr>
+          <p:cNvSpPr txBox="1"/>
+          <p:nvPr/>
+        </p:nvSpPr>
+        <p:spPr>
+          <a:xfrm>
+            <a:off x="427839" y="1887523"/>
+            <a:ext cx="3347208" cy="4247317"/>
+          </a:xfrm>
+          <a:prstGeom prst="rect">
+            <a:avLst/>
+          </a:prstGeom>
+          <a:noFill/>
+        </p:spPr>
+        <p:txBody>
+          <a:bodyPr wrap="square" rtlCol="0">
+            <a:spAutoFit/>
+          </a:bodyPr>
+          <a:lstStyle/>
+          <a:p>
+            <a:endParaRPr lang="pt-BR" dirty="0"/>
+          </a:p>
+          <a:p>
+            <a:r>
+              <a:rPr lang="pt-BR" dirty="0"/>
+              <a:t>(3, 75, [64, 64], 128, 0.5, 1e-05, 'regression')</a:t>
+            </a:r>
+          </a:p>
+          <a:p>
+            <a:endParaRPr lang="pt-BR" dirty="0"/>
+          </a:p>
+          <a:p>
+            <a:r>
+              <a:rPr lang="pt-BR" dirty="0"/>
+              <a:t>eiso rms:</a:t>
+            </a:r>
+          </a:p>
+          <a:p>
+            <a:r>
+              <a:rPr lang="pt-BR" dirty="0"/>
+              <a:t>10.55374153871836</a:t>
+            </a:r>
+          </a:p>
+          <a:p>
+            <a:endParaRPr lang="pt-BR" dirty="0"/>
+          </a:p>
+          <a:p>
+            <a:r>
+              <a:rPr lang="pt-BR" dirty="0"/>
+              <a:t>riso rms:</a:t>
+            </a:r>
+          </a:p>
+          <a:p>
+            <a:r>
+              <a:rPr lang="pt-BR" dirty="0"/>
+              <a:t>1.3820210461750784</a:t>
+            </a:r>
+          </a:p>
+          <a:p>
+            <a:endParaRPr lang="pt-BR" dirty="0"/>
+          </a:p>
+          <a:p>
+            <a:r>
+              <a:rPr lang="pt-BR" dirty="0"/>
+              <a:t>vert rms:</a:t>
+            </a:r>
+          </a:p>
+          <a:p>
+            <a:r>
+              <a:rPr lang="pt-BR" dirty="0"/>
+              <a:t>0.08399911077473775</a:t>
+            </a:r>
+          </a:p>
+          <a:p>
+            <a:endParaRPr lang="pt-BR" dirty="0"/>
+          </a:p>
+          <a:p>
+            <a:endParaRPr lang="pt-BR" dirty="0"/>
+          </a:p>
+          <a:p>
+            <a:endParaRPr lang="pt-BR" dirty="0"/>
+          </a:p>
+        </p:txBody>
+      </p:sp>
+      <p:sp>
+        <p:nvSpPr>
+          <p:cNvPr id="5" name="TextBox 4">
+            <a:extLst>
+              <a:ext uri="{FF2B5EF4-FFF2-40B4-BE49-F238E27FC236}">
+                <a16:creationId xmlns:a16="http://schemas.microsoft.com/office/drawing/2014/main" id="{87DA280C-1B32-435D-B18E-5A9DF614A796}"/>
+              </a:ext>
+            </a:extLst>
+          </p:cNvPr>
+          <p:cNvSpPr txBox="1"/>
+          <p:nvPr/>
+        </p:nvSpPr>
+        <p:spPr>
+          <a:xfrm>
+            <a:off x="3993160" y="1786855"/>
+            <a:ext cx="3053592" cy="2308324"/>
+          </a:xfrm>
+          <a:prstGeom prst="rect">
+            <a:avLst/>
+          </a:prstGeom>
+          <a:noFill/>
+        </p:spPr>
+        <p:txBody>
+          <a:bodyPr wrap="square" rtlCol="0">
+            <a:spAutoFit/>
+          </a:bodyPr>
+          <a:lstStyle/>
+          <a:p>
+            <a:r>
+              <a:rPr lang="pt-BR" dirty="0"/>
+              <a:t>eiso r2:</a:t>
+            </a:r>
+          </a:p>
+          <a:p>
+            <a:r>
+              <a:rPr lang="pt-BR" dirty="0"/>
+              <a:t>-0.12957346499642464</a:t>
+            </a:r>
+          </a:p>
+          <a:p>
+            <a:endParaRPr lang="pt-BR" dirty="0"/>
+          </a:p>
+          <a:p>
+            <a:r>
+              <a:rPr lang="pt-BR" dirty="0"/>
+              <a:t>riso r2:</a:t>
+            </a:r>
+          </a:p>
+          <a:p>
+            <a:r>
+              <a:rPr lang="pt-BR" dirty="0"/>
+              <a:t>0.04502204063657389</a:t>
+            </a:r>
+          </a:p>
+          <a:p>
+            <a:endParaRPr lang="pt-BR" dirty="0"/>
+          </a:p>
+          <a:p>
+            <a:r>
+              <a:rPr lang="pt-BR" dirty="0"/>
+              <a:t>vert r2:</a:t>
+            </a:r>
+          </a:p>
+          <a:p>
+            <a:r>
+              <a:rPr lang="pt-BR" dirty="0"/>
+              <a:t>-0.2172023128839271</a:t>
+            </a:r>
+          </a:p>
+        </p:txBody>
+      </p:sp>
+      <p:sp>
+        <p:nvSpPr>
+          <p:cNvPr id="6" name="TextBox 5">
+            <a:extLst>
+              <a:ext uri="{FF2B5EF4-FFF2-40B4-BE49-F238E27FC236}">
+                <a16:creationId xmlns:a16="http://schemas.microsoft.com/office/drawing/2014/main" id="{7D0B27B2-1A9F-4E70-868D-FA2884F718BB}"/>
+              </a:ext>
+            </a:extLst>
+          </p:cNvPr>
+          <p:cNvSpPr txBox="1"/>
+          <p:nvPr/>
+        </p:nvSpPr>
+        <p:spPr>
+          <a:xfrm>
+            <a:off x="7935985" y="1690688"/>
+            <a:ext cx="3347208" cy="3970318"/>
+          </a:xfrm>
+          <a:prstGeom prst="rect">
+            <a:avLst/>
+          </a:prstGeom>
+          <a:noFill/>
+        </p:spPr>
+        <p:txBody>
+          <a:bodyPr wrap="square" rtlCol="0">
+            <a:spAutoFit/>
+          </a:bodyPr>
+          <a:lstStyle/>
+          <a:p>
+            <a:r>
+              <a:rPr lang="pt-BR" dirty="0"/>
+              <a:t>eiso:</a:t>
+            </a:r>
+          </a:p>
+          <a:p>
+            <a:r>
+              <a:rPr lang="pt-BR" dirty="0"/>
+              <a:t>5.4803654558311425</a:t>
+            </a:r>
+          </a:p>
+          <a:p>
+            <a:r>
+              <a:rPr lang="pt-BR" dirty="0"/>
+              <a:t>13.469492486522725</a:t>
+            </a:r>
+          </a:p>
+          <a:p>
+            <a:r>
+              <a:rPr lang="pt-BR" dirty="0"/>
+              <a:t>2.7347964322768052</a:t>
+            </a:r>
+          </a:p>
+          <a:p>
+            <a:endParaRPr lang="pt-BR" dirty="0"/>
+          </a:p>
+          <a:p>
+            <a:r>
+              <a:rPr lang="pt-BR" dirty="0"/>
+              <a:t>riso:</a:t>
+            </a:r>
+          </a:p>
+          <a:p>
+            <a:r>
+              <a:rPr lang="pt-BR" dirty="0"/>
+              <a:t>0.8165985783861613</a:t>
+            </a:r>
+          </a:p>
+          <a:p>
+            <a:r>
+              <a:rPr lang="pt-BR" dirty="0"/>
+              <a:t>1.1902025688505764</a:t>
+            </a:r>
+          </a:p>
+          <a:p>
+            <a:r>
+              <a:rPr lang="pt-BR" dirty="0"/>
+              <a:t>0.576203171052614</a:t>
+            </a:r>
+          </a:p>
+          <a:p>
+            <a:endParaRPr lang="pt-BR" dirty="0"/>
+          </a:p>
+          <a:p>
+            <a:r>
+              <a:rPr lang="pt-BR" dirty="0"/>
+              <a:t>vert:</a:t>
+            </a:r>
+          </a:p>
+          <a:p>
+            <a:r>
+              <a:rPr lang="pt-BR" dirty="0"/>
+              <a:t>0.04953433143073547</a:t>
+            </a:r>
+          </a:p>
+          <a:p>
+            <a:r>
+              <a:rPr lang="pt-BR" dirty="0"/>
+              <a:t>0.07991326764795853</a:t>
+            </a:r>
+          </a:p>
+          <a:p>
+            <a:r>
+              <a:rPr lang="pt-BR" dirty="0"/>
+              <a:t>0.028881601457155587</a:t>
+            </a:r>
+          </a:p>
+        </p:txBody>
+      </p:sp>
+    </p:spTree>
+    <p:extLst>
+      <p:ext uri="{BB962C8B-B14F-4D97-AF65-F5344CB8AC3E}">
+        <p14:creationId xmlns:p14="http://schemas.microsoft.com/office/powerpoint/2010/main" val="1511980654"/>
+      </p:ext>
+    </p:extLst>
+  </p:cSld>
+  <p:clrMapOvr>
+    <a:masterClrMapping/>
+  </p:clrMapOvr>
+</p:sld>
+</file>
+
+<file path=ppt/slides/slide17.xml><?xml version="1.0" encoding="utf-8"?>
+<p:sld xmlns:a="http://schemas.openxmlformats.org/drawingml/2006/main" xmlns:r="http://schemas.openxmlformats.org/officeDocument/2006/relationships" xmlns:p="http://schemas.openxmlformats.org/presentationml/2006/main">
+  <p:cSld>
+    <p:spTree>
+      <p:nvGrpSpPr>
+        <p:cNvPr id="1" name=""/>
+        <p:cNvGrpSpPr/>
+        <p:nvPr/>
+      </p:nvGrpSpPr>
+      <p:grpSpPr>
+        <a:xfrm>
+          <a:off x="0" y="0"/>
+          <a:ext cx="0" cy="0"/>
+          <a:chOff x="0" y="0"/>
+          <a:chExt cx="0" cy="0"/>
+        </a:xfrm>
+      </p:grpSpPr>
+      <p:sp>
+        <p:nvSpPr>
+          <p:cNvPr id="2" name="Title 1">
+            <a:extLst>
+              <a:ext uri="{FF2B5EF4-FFF2-40B4-BE49-F238E27FC236}">
+                <a16:creationId xmlns:a16="http://schemas.microsoft.com/office/drawing/2014/main" id="{C9250985-CB50-48B0-B4C5-97060939CCF4}"/>
+              </a:ext>
+            </a:extLst>
+          </p:cNvPr>
+          <p:cNvSpPr>
+            <a:spLocks noGrp="1"/>
+          </p:cNvSpPr>
+          <p:nvPr>
+            <p:ph type="title"/>
+          </p:nvPr>
+        </p:nvSpPr>
+        <p:spPr/>
+        <p:txBody>
+          <a:bodyPr/>
+          <a:lstStyle/>
+          <a:p>
+            <a:r>
+              <a:rPr lang="en-US" dirty="0"/>
+              <a:t>Graph Convolutional </a:t>
+            </a:r>
+          </a:p>
+        </p:txBody>
+      </p:sp>
+      <p:pic>
+        <p:nvPicPr>
+          <p:cNvPr id="5" name="Picture 4" descr="Chart, line chart&#10;&#10;Description automatically generated">
+            <a:extLst>
+              <a:ext uri="{FF2B5EF4-FFF2-40B4-BE49-F238E27FC236}">
+                <a16:creationId xmlns:a16="http://schemas.microsoft.com/office/drawing/2014/main" id="{3670115A-3360-4B8A-AECF-25872BD2DB1D}"/>
+              </a:ext>
+            </a:extLst>
+          </p:cNvPr>
+          <p:cNvPicPr>
+            <a:picLocks noChangeAspect="1"/>
+          </p:cNvPicPr>
+          <p:nvPr/>
+        </p:nvPicPr>
+        <p:blipFill>
+          <a:blip r:embed="rId2">
+            <a:extLst>
+              <a:ext uri="{28A0092B-C50C-407E-A947-70E740481C1C}">
+                <a14:useLocalDpi xmlns:a14="http://schemas.microsoft.com/office/drawing/2010/main" val="0"/>
+              </a:ext>
+            </a:extLst>
+          </a:blip>
+          <a:stretch>
+            <a:fillRect/>
+          </a:stretch>
+        </p:blipFill>
+        <p:spPr>
+          <a:xfrm>
+            <a:off x="633412" y="2202519"/>
+            <a:ext cx="4580357" cy="2751539"/>
+          </a:xfrm>
+          <a:prstGeom prst="rect">
+            <a:avLst/>
+          </a:prstGeom>
+        </p:spPr>
+      </p:pic>
+      <p:pic>
+        <p:nvPicPr>
+          <p:cNvPr id="7" name="Picture 6" descr="Chart, line chart&#10;&#10;Description automatically generated">
+            <a:extLst>
+              <a:ext uri="{FF2B5EF4-FFF2-40B4-BE49-F238E27FC236}">
+                <a16:creationId xmlns:a16="http://schemas.microsoft.com/office/drawing/2014/main" id="{F7ADEDC9-2D16-40CD-AEB9-6075E0C0ED30}"/>
+              </a:ext>
+            </a:extLst>
+          </p:cNvPr>
+          <p:cNvPicPr>
+            <a:picLocks noChangeAspect="1"/>
+          </p:cNvPicPr>
+          <p:nvPr/>
+        </p:nvPicPr>
+        <p:blipFill>
+          <a:blip r:embed="rId3">
+            <a:extLst>
+              <a:ext uri="{28A0092B-C50C-407E-A947-70E740481C1C}">
+                <a14:useLocalDpi xmlns:a14="http://schemas.microsoft.com/office/drawing/2010/main" val="0"/>
+              </a:ext>
+            </a:extLst>
+          </a:blip>
+          <a:stretch>
+            <a:fillRect/>
+          </a:stretch>
+        </p:blipFill>
+        <p:spPr>
+          <a:xfrm>
+            <a:off x="6215158" y="2202518"/>
+            <a:ext cx="4932266" cy="2751539"/>
+          </a:xfrm>
+          <a:prstGeom prst="rect">
+            <a:avLst/>
+          </a:prstGeom>
+        </p:spPr>
+      </p:pic>
+    </p:spTree>
+    <p:extLst>
+      <p:ext uri="{BB962C8B-B14F-4D97-AF65-F5344CB8AC3E}">
+        <p14:creationId xmlns:p14="http://schemas.microsoft.com/office/powerpoint/2010/main" val="1326076394"/>
+      </p:ext>
+    </p:extLst>
+  </p:cSld>
+  <p:clrMapOvr>
+    <a:masterClrMapping/>
+  </p:clrMapOvr>
+</p:sld>
+</file>
+
+<file path=ppt/slides/slide18.xml><?xml version="1.0" encoding="utf-8"?>
+<p:sld xmlns:a="http://schemas.openxmlformats.org/drawingml/2006/main" xmlns:r="http://schemas.openxmlformats.org/officeDocument/2006/relationships" xmlns:p="http://schemas.openxmlformats.org/presentationml/2006/main">
+  <p:cSld>
+    <p:spTree>
+      <p:nvGrpSpPr>
+        <p:cNvPr id="1" name=""/>
+        <p:cNvGrpSpPr/>
+        <p:nvPr/>
+      </p:nvGrpSpPr>
+      <p:grpSpPr>
+        <a:xfrm>
+          <a:off x="0" y="0"/>
+          <a:ext cx="0" cy="0"/>
+          <a:chOff x="0" y="0"/>
+          <a:chExt cx="0" cy="0"/>
+        </a:xfrm>
+      </p:grpSpPr>
+      <p:sp>
+        <p:nvSpPr>
+          <p:cNvPr id="2" name="Title 1">
+            <a:extLst>
+              <a:ext uri="{FF2B5EF4-FFF2-40B4-BE49-F238E27FC236}">
+                <a16:creationId xmlns:a16="http://schemas.microsoft.com/office/drawing/2014/main" id="{CE580869-E573-47FE-9923-C456F2CF6A82}"/>
+              </a:ext>
+            </a:extLst>
+          </p:cNvPr>
+          <p:cNvSpPr>
+            <a:spLocks noGrp="1"/>
+          </p:cNvSpPr>
+          <p:nvPr>
+            <p:ph type="title"/>
+          </p:nvPr>
+        </p:nvSpPr>
+        <p:spPr/>
+        <p:txBody>
+          <a:bodyPr/>
+          <a:lstStyle/>
+          <a:p>
+            <a:r>
+              <a:rPr lang="en-US" dirty="0"/>
+              <a:t>DTNN</a:t>
+            </a:r>
+          </a:p>
+        </p:txBody>
+      </p:sp>
+      <p:sp>
+        <p:nvSpPr>
+          <p:cNvPr id="4" name="TextBox 3">
+            <a:extLst>
+              <a:ext uri="{FF2B5EF4-FFF2-40B4-BE49-F238E27FC236}">
+                <a16:creationId xmlns:a16="http://schemas.microsoft.com/office/drawing/2014/main" id="{1F1F943C-CE9F-4295-A416-3A978F973119}"/>
+              </a:ext>
+            </a:extLst>
+          </p:cNvPr>
+          <p:cNvSpPr txBox="1"/>
+          <p:nvPr/>
+        </p:nvSpPr>
+        <p:spPr>
+          <a:xfrm>
+            <a:off x="427839" y="1887523"/>
+            <a:ext cx="3347208" cy="3970318"/>
+          </a:xfrm>
+          <a:prstGeom prst="rect">
+            <a:avLst/>
+          </a:prstGeom>
+          <a:noFill/>
+        </p:spPr>
+        <p:txBody>
+          <a:bodyPr wrap="square" rtlCol="0">
+            <a:spAutoFit/>
+          </a:bodyPr>
+          <a:lstStyle/>
+          <a:p>
+            <a:r>
+              <a:rPr lang="pt-BR" dirty="0"/>
+              <a:t>(3, 50, 0.5, 1e-05)</a:t>
+            </a:r>
+          </a:p>
+          <a:p>
+            <a:r>
+              <a:rPr lang="pt-BR" dirty="0"/>
+              <a:t>mean rms:</a:t>
+            </a:r>
+          </a:p>
+          <a:p>
+            <a:r>
+              <a:rPr lang="pt-BR" dirty="0"/>
+              <a:t>4.661498661711395</a:t>
+            </a:r>
+          </a:p>
+          <a:p>
+            <a:r>
+              <a:rPr lang="pt-BR" dirty="0"/>
+              <a:t>eiso rms:</a:t>
+            </a:r>
+          </a:p>
+          <a:p>
+            <a:r>
+              <a:rPr lang="pt-BR" dirty="0"/>
+              <a:t>12.107562954465415</a:t>
+            </a:r>
+          </a:p>
+          <a:p>
+            <a:r>
+              <a:rPr lang="pt-BR" dirty="0"/>
+              <a:t>riso rms:</a:t>
+            </a:r>
+          </a:p>
+          <a:p>
+            <a:r>
+              <a:rPr lang="pt-BR" dirty="0"/>
+              <a:t>1.7764258190566935</a:t>
+            </a:r>
+          </a:p>
+          <a:p>
+            <a:r>
+              <a:rPr lang="pt-BR" dirty="0"/>
+              <a:t>vert rms:</a:t>
+            </a:r>
+          </a:p>
+          <a:p>
+            <a:r>
+              <a:rPr lang="pt-BR" dirty="0"/>
+              <a:t>0.10050721161207572</a:t>
+            </a:r>
+          </a:p>
+          <a:p>
+            <a:endParaRPr lang="pt-BR" dirty="0"/>
+          </a:p>
+          <a:p>
+            <a:endParaRPr lang="pt-BR" dirty="0"/>
+          </a:p>
+          <a:p>
+            <a:endParaRPr lang="pt-BR" dirty="0"/>
+          </a:p>
+          <a:p>
+            <a:endParaRPr lang="pt-BR" dirty="0"/>
+          </a:p>
+          <a:p>
+            <a:endParaRPr lang="pt-BR" dirty="0"/>
+          </a:p>
+        </p:txBody>
+      </p:sp>
+      <p:sp>
+        <p:nvSpPr>
+          <p:cNvPr id="5" name="TextBox 4">
+            <a:extLst>
+              <a:ext uri="{FF2B5EF4-FFF2-40B4-BE49-F238E27FC236}">
+                <a16:creationId xmlns:a16="http://schemas.microsoft.com/office/drawing/2014/main" id="{87DA280C-1B32-435D-B18E-5A9DF614A796}"/>
+              </a:ext>
+            </a:extLst>
+          </p:cNvPr>
+          <p:cNvSpPr txBox="1"/>
+          <p:nvPr/>
+        </p:nvSpPr>
+        <p:spPr>
+          <a:xfrm>
+            <a:off x="3993160" y="1786855"/>
+            <a:ext cx="3053592" cy="2308324"/>
+          </a:xfrm>
+          <a:prstGeom prst="rect">
+            <a:avLst/>
+          </a:prstGeom>
+          <a:noFill/>
+        </p:spPr>
+        <p:txBody>
+          <a:bodyPr wrap="square" rtlCol="0">
+            <a:spAutoFit/>
+          </a:bodyPr>
+          <a:lstStyle/>
+          <a:p>
+            <a:r>
+              <a:rPr lang="pt-BR" dirty="0"/>
+              <a:t>eiso r2:</a:t>
+            </a:r>
+          </a:p>
+          <a:p>
+            <a:r>
+              <a:rPr lang="pt-BR" dirty="0"/>
+              <a:t>-0.48667160058574277</a:t>
+            </a:r>
+          </a:p>
+          <a:p>
+            <a:endParaRPr lang="pt-BR" dirty="0"/>
+          </a:p>
+          <a:p>
+            <a:r>
+              <a:rPr lang="pt-BR" dirty="0"/>
+              <a:t>riso r2:</a:t>
+            </a:r>
+          </a:p>
+          <a:p>
+            <a:r>
+              <a:rPr lang="pt-BR" dirty="0"/>
+              <a:t>-0.5778226573071736</a:t>
+            </a:r>
+          </a:p>
+          <a:p>
+            <a:endParaRPr lang="pt-BR" dirty="0"/>
+          </a:p>
+          <a:p>
+            <a:r>
+              <a:rPr lang="pt-BR" dirty="0"/>
+              <a:t>vert r2:</a:t>
+            </a:r>
+          </a:p>
+          <a:p>
+            <a:r>
+              <a:rPr lang="pt-BR" dirty="0"/>
+              <a:t>-0.7426406507393715</a:t>
+            </a:r>
+          </a:p>
+        </p:txBody>
+      </p:sp>
+      <p:sp>
+        <p:nvSpPr>
+          <p:cNvPr id="6" name="TextBox 5">
+            <a:extLst>
+              <a:ext uri="{FF2B5EF4-FFF2-40B4-BE49-F238E27FC236}">
+                <a16:creationId xmlns:a16="http://schemas.microsoft.com/office/drawing/2014/main" id="{7D0B27B2-1A9F-4E70-868D-FA2884F718BB}"/>
+              </a:ext>
+            </a:extLst>
+          </p:cNvPr>
+          <p:cNvSpPr txBox="1"/>
+          <p:nvPr/>
+        </p:nvSpPr>
+        <p:spPr>
+          <a:xfrm>
+            <a:off x="7935985" y="1690688"/>
+            <a:ext cx="3347208" cy="3970318"/>
+          </a:xfrm>
+          <a:prstGeom prst="rect">
+            <a:avLst/>
+          </a:prstGeom>
+          <a:noFill/>
+        </p:spPr>
+        <p:txBody>
+          <a:bodyPr wrap="square" rtlCol="0">
+            <a:spAutoFit/>
+          </a:bodyPr>
+          <a:lstStyle/>
+          <a:p>
+            <a:r>
+              <a:rPr lang="pt-BR" dirty="0"/>
+              <a:t>eiso:</a:t>
+            </a:r>
+          </a:p>
+          <a:p>
+            <a:r>
+              <a:rPr lang="pt-BR" dirty="0"/>
+              <a:t>7.577075547060909</a:t>
+            </a:r>
+          </a:p>
+          <a:p>
+            <a:r>
+              <a:rPr lang="pt-BR" dirty="0"/>
+              <a:t>18.438200446523528</a:t>
+            </a:r>
+          </a:p>
+          <a:p>
+            <a:r>
+              <a:rPr lang="pt-BR" dirty="0"/>
+              <a:t>3.517238812677171</a:t>
+            </a:r>
+          </a:p>
+          <a:p>
+            <a:endParaRPr lang="pt-BR" dirty="0"/>
+          </a:p>
+          <a:p>
+            <a:r>
+              <a:rPr lang="pt-BR" dirty="0"/>
+              <a:t>riso:</a:t>
+            </a:r>
+          </a:p>
+          <a:p>
+            <a:r>
+              <a:rPr lang="pt-BR" dirty="0"/>
+              <a:t>1.2627377625649203</a:t>
+            </a:r>
+          </a:p>
+          <a:p>
+            <a:r>
+              <a:rPr lang="pt-BR" dirty="0"/>
+              <a:t>1.7505591051625193</a:t>
+            </a:r>
+          </a:p>
+          <a:p>
+            <a:r>
+              <a:rPr lang="pt-BR" dirty="0"/>
+              <a:t>0.9955473099301386</a:t>
+            </a:r>
+          </a:p>
+          <a:p>
+            <a:endParaRPr lang="pt-BR" dirty="0"/>
+          </a:p>
+          <a:p>
+            <a:r>
+              <a:rPr lang="pt-BR" dirty="0"/>
+              <a:t>vert:</a:t>
+            </a:r>
+          </a:p>
+          <a:p>
+            <a:r>
+              <a:rPr lang="pt-BR" dirty="0"/>
+              <a:t>0.08027429395037862</a:t>
+            </a:r>
+          </a:p>
+          <a:p>
+            <a:r>
+              <a:rPr lang="pt-BR" dirty="0"/>
+              <a:t>0.11257608763956967</a:t>
+            </a:r>
+          </a:p>
+          <a:p>
+            <a:r>
+              <a:rPr lang="pt-BR" dirty="0"/>
+              <a:t>0.055240139717823794</a:t>
+            </a:r>
+          </a:p>
+        </p:txBody>
+      </p:sp>
+    </p:spTree>
+    <p:extLst>
+      <p:ext uri="{BB962C8B-B14F-4D97-AF65-F5344CB8AC3E}">
+        <p14:creationId xmlns:p14="http://schemas.microsoft.com/office/powerpoint/2010/main" val="637947246"/>
+      </p:ext>
+    </p:extLst>
+  </p:cSld>
+  <p:clrMapOvr>
+    <a:masterClrMapping/>
+  </p:clrMapOvr>
+</p:sld>
+</file>
+
+<file path=ppt/slides/slide19.xml><?xml version="1.0" encoding="utf-8"?>
+<p:sld xmlns:a="http://schemas.openxmlformats.org/drawingml/2006/main" xmlns:r="http://schemas.openxmlformats.org/officeDocument/2006/relationships" xmlns:p="http://schemas.openxmlformats.org/presentationml/2006/main">
+  <p:cSld>
+    <p:spTree>
+      <p:nvGrpSpPr>
+        <p:cNvPr id="1" name=""/>
+        <p:cNvGrpSpPr/>
+        <p:nvPr/>
+      </p:nvGrpSpPr>
+      <p:grpSpPr>
+        <a:xfrm>
+          <a:off x="0" y="0"/>
+          <a:ext cx="0" cy="0"/>
+          <a:chOff x="0" y="0"/>
+          <a:chExt cx="0" cy="0"/>
+        </a:xfrm>
+      </p:grpSpPr>
+      <p:sp>
+        <p:nvSpPr>
+          <p:cNvPr id="2" name="Title 1">
+            <a:extLst>
+              <a:ext uri="{FF2B5EF4-FFF2-40B4-BE49-F238E27FC236}">
+                <a16:creationId xmlns:a16="http://schemas.microsoft.com/office/drawing/2014/main" id="{38AC5074-2C9E-4BC9-B2E5-462285764ECB}"/>
+              </a:ext>
+            </a:extLst>
+          </p:cNvPr>
+          <p:cNvSpPr>
+            <a:spLocks noGrp="1"/>
+          </p:cNvSpPr>
+          <p:nvPr>
+            <p:ph type="title"/>
+          </p:nvPr>
+        </p:nvSpPr>
+        <p:spPr/>
+        <p:txBody>
+          <a:bodyPr/>
+          <a:lstStyle/>
+          <a:p>
+            <a:r>
+              <a:rPr lang="en-US" dirty="0"/>
+              <a:t>DTNN</a:t>
+            </a:r>
+          </a:p>
+        </p:txBody>
+      </p:sp>
+      <p:pic>
+        <p:nvPicPr>
+          <p:cNvPr id="5" name="Content Placeholder 4" descr="Chart, line chart&#10;&#10;Description automatically generated">
+            <a:extLst>
+              <a:ext uri="{FF2B5EF4-FFF2-40B4-BE49-F238E27FC236}">
+                <a16:creationId xmlns:a16="http://schemas.microsoft.com/office/drawing/2014/main" id="{0A70FF91-B739-4134-9549-20297B67D0D1}"/>
+              </a:ext>
+            </a:extLst>
+          </p:cNvPr>
+          <p:cNvPicPr>
+            <a:picLocks noGrp="1" noChangeAspect="1"/>
+          </p:cNvPicPr>
+          <p:nvPr>
+            <p:ph idx="1"/>
+          </p:nvPr>
+        </p:nvPicPr>
+        <p:blipFill>
+          <a:blip r:embed="rId2">
+            <a:extLst>
+              <a:ext uri="{28A0092B-C50C-407E-A947-70E740481C1C}">
+                <a14:useLocalDpi xmlns:a14="http://schemas.microsoft.com/office/drawing/2010/main" val="0"/>
+              </a:ext>
+            </a:extLst>
+          </a:blip>
+          <a:stretch>
+            <a:fillRect/>
+          </a:stretch>
+        </p:blipFill>
+        <p:spPr>
+          <a:xfrm>
+            <a:off x="737436" y="2483147"/>
+            <a:ext cx="4577586" cy="2751539"/>
+          </a:xfrm>
+        </p:spPr>
+      </p:pic>
+      <p:pic>
+        <p:nvPicPr>
+          <p:cNvPr id="7" name="Picture 6" descr="Chart, line chart&#10;&#10;Description automatically generated">
+            <a:extLst>
+              <a:ext uri="{FF2B5EF4-FFF2-40B4-BE49-F238E27FC236}">
+                <a16:creationId xmlns:a16="http://schemas.microsoft.com/office/drawing/2014/main" id="{4E1A95D3-581A-4C70-A7B7-4D42AE1D2D2D}"/>
+              </a:ext>
+            </a:extLst>
+          </p:cNvPr>
+          <p:cNvPicPr>
+            <a:picLocks noChangeAspect="1"/>
+          </p:cNvPicPr>
+          <p:nvPr/>
+        </p:nvPicPr>
+        <p:blipFill>
+          <a:blip r:embed="rId3">
+            <a:extLst>
+              <a:ext uri="{28A0092B-C50C-407E-A947-70E740481C1C}">
+                <a14:useLocalDpi xmlns:a14="http://schemas.microsoft.com/office/drawing/2010/main" val="0"/>
+              </a:ext>
+            </a:extLst>
+          </a:blip>
+          <a:stretch>
+            <a:fillRect/>
+          </a:stretch>
+        </p:blipFill>
+        <p:spPr>
+          <a:xfrm>
+            <a:off x="6773443" y="2380511"/>
+            <a:ext cx="4580357" cy="2751539"/>
+          </a:xfrm>
+          <a:prstGeom prst="rect">
+            <a:avLst/>
+          </a:prstGeom>
+        </p:spPr>
+      </p:pic>
+      <p:sp>
+        <p:nvSpPr>
+          <p:cNvPr id="8" name="TextBox 7">
+            <a:extLst>
+              <a:ext uri="{FF2B5EF4-FFF2-40B4-BE49-F238E27FC236}">
+                <a16:creationId xmlns:a16="http://schemas.microsoft.com/office/drawing/2014/main" id="{9F66CFB9-0F35-4D41-A47E-38981ED9D61A}"/>
+              </a:ext>
+            </a:extLst>
+          </p:cNvPr>
+          <p:cNvSpPr txBox="1"/>
+          <p:nvPr/>
+        </p:nvSpPr>
+        <p:spPr>
+          <a:xfrm>
+            <a:off x="7258147" y="5452541"/>
+            <a:ext cx="3610947" cy="369332"/>
+          </a:xfrm>
+          <a:prstGeom prst="rect">
+            <a:avLst/>
+          </a:prstGeom>
+          <a:noFill/>
+        </p:spPr>
+        <p:txBody>
+          <a:bodyPr wrap="square" rtlCol="0">
+            <a:spAutoFit/>
+          </a:bodyPr>
+          <a:lstStyle/>
+          <a:p>
+            <a:r>
+              <a:rPr lang="en-US" dirty="0"/>
+              <a:t>Note twice as many training epochs</a:t>
+            </a:r>
+          </a:p>
+        </p:txBody>
+      </p:sp>
+    </p:spTree>
+    <p:extLst>
+      <p:ext uri="{BB962C8B-B14F-4D97-AF65-F5344CB8AC3E}">
+        <p14:creationId xmlns:p14="http://schemas.microsoft.com/office/powerpoint/2010/main" val="2448880887"/>
       </p:ext>
     </p:extLst>
   </p:cSld>
@@ -5479,7 +7606,7 @@
           <a:p>
             <a:r>
               <a:rPr lang="en-US" dirty="0"/>
-              <a:t>Deep Tensor Neural Network</a:t>
+              <a:t>Deep Tensor Neural Network (DTNN)</a:t>
             </a:r>
           </a:p>
         </p:txBody>
@@ -5512,6 +7639,9 @@
           </a:bodyPr>
           <a:lstStyle/>
           <a:p>
+            <a:pPr marL="0" indent="0">
+              <a:buNone/>
+            </a:pPr>
             <a:r>
               <a:rPr lang="pt-BR" dirty="0"/>
               <a:t>(3, 50, 0.5, 1e-05)</a:t>
